--- a/ppt/4. Design Tips/Design Tips.pptx
+++ b/ppt/4. Design Tips/Design Tips.pptx
@@ -3462,7 +3462,7 @@
           <a:p>
             <a:fld id="{DB80C096-A882-44C9-8AC8-94B305455CE5}" type="datetimeFigureOut">
               <a:rPr lang="en-US" smtClean="0"/>
-              <a:t>7/9/2018</a:t>
+              <a:t>7/10/2018</a:t>
             </a:fld>
             <a:endParaRPr lang="en-US"/>
           </a:p>
@@ -4261,7 +4261,7 @@
           <a:p>
             <a:fld id="{B5D5FAF9-4FDB-40C3-AAD9-A45D088333C9}" type="datetimeFigureOut">
               <a:rPr lang="en-US" smtClean="0"/>
-              <a:t>7/9/2018</a:t>
+              <a:t>7/10/2018</a:t>
             </a:fld>
             <a:endParaRPr lang="en-US"/>
           </a:p>
@@ -4542,7 +4542,7 @@
           <a:p>
             <a:fld id="{B5D5FAF9-4FDB-40C3-AAD9-A45D088333C9}" type="datetimeFigureOut">
               <a:rPr lang="en-US" smtClean="0"/>
-              <a:t>7/9/2018</a:t>
+              <a:t>7/10/2018</a:t>
             </a:fld>
             <a:endParaRPr lang="en-US"/>
           </a:p>
@@ -4734,7 +4734,7 @@
           <a:p>
             <a:fld id="{B5D5FAF9-4FDB-40C3-AAD9-A45D088333C9}" type="datetimeFigureOut">
               <a:rPr lang="en-US" smtClean="0"/>
-              <a:t>7/9/2018</a:t>
+              <a:t>7/10/2018</a:t>
             </a:fld>
             <a:endParaRPr lang="en-US"/>
           </a:p>
@@ -4995,7 +4995,7 @@
           <a:p>
             <a:fld id="{B5D5FAF9-4FDB-40C3-AAD9-A45D088333C9}" type="datetimeFigureOut">
               <a:rPr lang="en-US" smtClean="0"/>
-              <a:t>7/9/2018</a:t>
+              <a:t>7/10/2018</a:t>
             </a:fld>
             <a:endParaRPr lang="en-US"/>
           </a:p>
@@ -5421,7 +5421,7 @@
           <a:p>
             <a:fld id="{B5D5FAF9-4FDB-40C3-AAD9-A45D088333C9}" type="datetimeFigureOut">
               <a:rPr lang="en-US" smtClean="0"/>
-              <a:t>7/9/2018</a:t>
+              <a:t>7/10/2018</a:t>
             </a:fld>
             <a:endParaRPr lang="en-US"/>
           </a:p>
@@ -5967,7 +5967,7 @@
           <a:p>
             <a:fld id="{B5D5FAF9-4FDB-40C3-AAD9-A45D088333C9}" type="datetimeFigureOut">
               <a:rPr lang="en-US" smtClean="0"/>
-              <a:t>7/9/2018</a:t>
+              <a:t>7/10/2018</a:t>
             </a:fld>
             <a:endParaRPr lang="en-US"/>
           </a:p>
@@ -6798,7 +6798,7 @@
           <a:p>
             <a:fld id="{B5D5FAF9-4FDB-40C3-AAD9-A45D088333C9}" type="datetimeFigureOut">
               <a:rPr lang="en-US" smtClean="0"/>
-              <a:t>7/9/2018</a:t>
+              <a:t>7/10/2018</a:t>
             </a:fld>
             <a:endParaRPr lang="en-US"/>
           </a:p>
@@ -6968,7 +6968,7 @@
           <a:p>
             <a:fld id="{B5D5FAF9-4FDB-40C3-AAD9-A45D088333C9}" type="datetimeFigureOut">
               <a:rPr lang="en-US" smtClean="0"/>
-              <a:t>7/9/2018</a:t>
+              <a:t>7/10/2018</a:t>
             </a:fld>
             <a:endParaRPr lang="en-US"/>
           </a:p>
@@ -7148,7 +7148,7 @@
           <a:p>
             <a:fld id="{B5D5FAF9-4FDB-40C3-AAD9-A45D088333C9}" type="datetimeFigureOut">
               <a:rPr lang="en-US" smtClean="0"/>
-              <a:t>7/9/2018</a:t>
+              <a:t>7/10/2018</a:t>
             </a:fld>
             <a:endParaRPr lang="en-US"/>
           </a:p>
@@ -7345,7 +7345,7 @@
           <a:p>
             <a:fld id="{B5D5FAF9-4FDB-40C3-AAD9-A45D088333C9}" type="datetimeFigureOut">
               <a:rPr lang="en-US" smtClean="0"/>
-              <a:t>7/9/2018</a:t>
+              <a:t>7/10/2018</a:t>
             </a:fld>
             <a:endParaRPr lang="en-US"/>
           </a:p>
@@ -7602,7 +7602,7 @@
           <a:p>
             <a:fld id="{B5D5FAF9-4FDB-40C3-AAD9-A45D088333C9}" type="datetimeFigureOut">
               <a:rPr lang="en-US" smtClean="0"/>
-              <a:t>7/9/2018</a:t>
+              <a:t>7/10/2018</a:t>
             </a:fld>
             <a:endParaRPr lang="en-US"/>
           </a:p>
@@ -7834,7 +7834,7 @@
           <a:p>
             <a:fld id="{B5D5FAF9-4FDB-40C3-AAD9-A45D088333C9}" type="datetimeFigureOut">
               <a:rPr lang="en-US" smtClean="0"/>
-              <a:t>7/9/2018</a:t>
+              <a:t>7/10/2018</a:t>
             </a:fld>
             <a:endParaRPr lang="en-US"/>
           </a:p>
@@ -8227,7 +8227,7 @@
           <a:p>
             <a:fld id="{B5D5FAF9-4FDB-40C3-AAD9-A45D088333C9}" type="datetimeFigureOut">
               <a:rPr lang="en-US" smtClean="0"/>
-              <a:t>7/9/2018</a:t>
+              <a:t>7/10/2018</a:t>
             </a:fld>
             <a:endParaRPr lang="en-US"/>
           </a:p>
@@ -8345,7 +8345,7 @@
           <a:p>
             <a:fld id="{B5D5FAF9-4FDB-40C3-AAD9-A45D088333C9}" type="datetimeFigureOut">
               <a:rPr lang="en-US" smtClean="0"/>
-              <a:t>7/9/2018</a:t>
+              <a:t>7/10/2018</a:t>
             </a:fld>
             <a:endParaRPr lang="en-US"/>
           </a:p>
@@ -8440,7 +8440,7 @@
           <a:p>
             <a:fld id="{B5D5FAF9-4FDB-40C3-AAD9-A45D088333C9}" type="datetimeFigureOut">
               <a:rPr lang="en-US" smtClean="0"/>
-              <a:t>7/9/2018</a:t>
+              <a:t>7/10/2018</a:t>
             </a:fld>
             <a:endParaRPr lang="en-US"/>
           </a:p>
@@ -8713,7 +8713,7 @@
           <a:p>
             <a:fld id="{B5D5FAF9-4FDB-40C3-AAD9-A45D088333C9}" type="datetimeFigureOut">
               <a:rPr lang="en-US" smtClean="0"/>
-              <a:t>7/9/2018</a:t>
+              <a:t>7/10/2018</a:t>
             </a:fld>
             <a:endParaRPr lang="en-US"/>
           </a:p>
@@ -8994,7 +8994,7 @@
           <a:p>
             <a:fld id="{B5D5FAF9-4FDB-40C3-AAD9-A45D088333C9}" type="datetimeFigureOut">
               <a:rPr lang="en-US" smtClean="0"/>
-              <a:t>7/9/2018</a:t>
+              <a:t>7/10/2018</a:t>
             </a:fld>
             <a:endParaRPr lang="en-US"/>
           </a:p>
@@ -9233,7 +9233,7 @@
           <a:p>
             <a:fld id="{B5D5FAF9-4FDB-40C3-AAD9-A45D088333C9}" type="datetimeFigureOut">
               <a:rPr lang="en-US" smtClean="0"/>
-              <a:t>7/9/2018</a:t>
+              <a:t>7/10/2018</a:t>
             </a:fld>
             <a:endParaRPr lang="en-US"/>
           </a:p>
@@ -11861,7 +11861,7 @@
           <a:p>
             <a:r>
               <a:rPr lang="en-US" dirty="0"/>
-              <a:t>Red Gate Tools</a:t>
+              <a:t>Third-Party Tools</a:t>
             </a:r>
           </a:p>
           <a:p>
@@ -12023,6 +12023,12 @@
             <a:r>
               <a:rPr lang="en-US" dirty="0"/>
               <a:t>Entity Framework Migrations – From Microsoft</a:t>
+            </a:r>
+          </a:p>
+          <a:p>
+            <a:r>
+              <a:rPr lang="en-US" dirty="0"/>
+              <a:t>Red Gate</a:t>
             </a:r>
           </a:p>
           <a:p>

--- a/ppt/4. Design Tips/Design Tips.pptx
+++ b/ppt/4. Design Tips/Design Tips.pptx
@@ -5,7 +5,7 @@
     <p:sldMasterId id="2147483696" r:id="rId1"/>
   </p:sldMasterIdLst>
   <p:notesMasterIdLst>
-    <p:notesMasterId r:id="rId23"/>
+    <p:notesMasterId r:id="rId22"/>
   </p:notesMasterIdLst>
   <p:sldIdLst>
     <p:sldId id="256" r:id="rId2"/>
@@ -26,9 +26,8 @@
     <p:sldId id="280" r:id="rId17"/>
     <p:sldId id="293" r:id="rId18"/>
     <p:sldId id="281" r:id="rId19"/>
-    <p:sldId id="283" r:id="rId20"/>
-    <p:sldId id="285" r:id="rId21"/>
-    <p:sldId id="286" r:id="rId22"/>
+    <p:sldId id="285" r:id="rId20"/>
+    <p:sldId id="286" r:id="rId21"/>
   </p:sldIdLst>
   <p:sldSz cx="12192000" cy="6858000"/>
   <p:notesSz cx="6858000" cy="9144000"/>
@@ -1084,10 +1083,13 @@
         <a:lstStyle/>
         <a:p>
           <a:r>
-            <a:rPr lang="en-US"/>
+            <a:rPr lang="en-US" dirty="0" err="1"/>
             <a:t>InMemory</a:t>
           </a:r>
-          <a:endParaRPr lang="en-US" dirty="0"/>
+          <a:r>
+            <a:rPr lang="en-US" dirty="0"/>
+            <a:t> OLTP</a:t>
+          </a:r>
         </a:p>
       </dgm:t>
     </dgm:pt>
@@ -1122,7 +1124,15 @@
         <a:p>
           <a:r>
             <a:rPr lang="en-US" dirty="0"/>
-            <a:t>Logs can be written to disk</a:t>
+            <a:t>Logs </a:t>
+          </a:r>
+          <a:r>
+            <a:rPr lang="en-US" i="1" dirty="0"/>
+            <a:t>can</a:t>
+          </a:r>
+          <a:r>
+            <a:rPr lang="en-US" dirty="0"/>
+            <a:t> be written to disk</a:t>
           </a:r>
         </a:p>
       </dgm:t>
@@ -1302,7 +1312,7 @@
         <a:p>
           <a:r>
             <a:rPr lang="en-US" dirty="0"/>
-            <a:t>30X </a:t>
+            <a:t>10x - 30X </a:t>
           </a:r>
           <a:r>
             <a:rPr lang="en-US" dirty="0" err="1"/>
@@ -1760,10 +1770,13 @@
             <a:buNone/>
           </a:pPr>
           <a:r>
-            <a:rPr lang="en-US" sz="3200" kern="1200"/>
+            <a:rPr lang="en-US" sz="3200" kern="1200" dirty="0" err="1"/>
             <a:t>InMemory</a:t>
           </a:r>
-          <a:endParaRPr lang="en-US" sz="3200" kern="1200" dirty="0"/>
+          <a:r>
+            <a:rPr lang="en-US" sz="3200" kern="1200" dirty="0"/>
+            <a:t> OLTP</a:t>
+          </a:r>
         </a:p>
       </dsp:txBody>
       <dsp:txXfrm>
@@ -1860,7 +1873,15 @@
           </a:pPr>
           <a:r>
             <a:rPr lang="en-US" sz="3200" kern="1200" dirty="0"/>
-            <a:t>Logs can be written to disk</a:t>
+            <a:t>Logs </a:t>
+          </a:r>
+          <a:r>
+            <a:rPr lang="en-US" sz="3200" i="1" kern="1200" dirty="0"/>
+            <a:t>can</a:t>
+          </a:r>
+          <a:r>
+            <a:rPr lang="en-US" sz="3200" kern="1200" dirty="0"/>
+            <a:t> be written to disk</a:t>
           </a:r>
         </a:p>
         <a:p>
@@ -1896,7 +1917,7 @@
           </a:pPr>
           <a:r>
             <a:rPr lang="en-US" sz="3200" kern="1200" dirty="0"/>
-            <a:t>30X </a:t>
+            <a:t>10x - 30X </a:t>
           </a:r>
           <a:r>
             <a:rPr lang="en-US" sz="3200" kern="1200" dirty="0" err="1"/>
@@ -9995,9 +10016,6 @@
               <a:t>Use schemas to group permissions</a:t>
             </a:r>
           </a:p>
-          <a:p>
-            <a:endParaRPr lang="en-US" dirty="0"/>
-          </a:p>
         </p:txBody>
       </p:sp>
       <p:sp>
@@ -10279,7 +10297,7 @@
             <a:pPr lvl="1"/>
             <a:r>
               <a:rPr lang="en-US" dirty="0"/>
-              <a:t>Possibly EXEC on some store procedures</a:t>
+              <a:t>Possibly EXEC on some stored procedures or schemas</a:t>
             </a:r>
           </a:p>
           <a:p>
@@ -10295,9 +10313,10 @@
             </a:r>
           </a:p>
           <a:p>
+            <a:pPr lvl="1"/>
             <a:r>
               <a:rPr lang="en-US" dirty="0"/>
-              <a:t>Start with Kendra Little’s “Automation: Granting Read Pers for </a:t>
+              <a:t>Kendra Little’s “Automation: Granting Read Perms for </a:t>
             </a:r>
             <a:r>
               <a:rPr lang="en-US" dirty="0" err="1"/>
@@ -10528,7 +10547,7 @@
           <a:p>
             <a:r>
               <a:rPr lang="en-US" dirty="0"/>
-              <a:t>Create a Entity Attribute Value table</a:t>
+              <a:t>Maybe create a Entity Attribute Value table?</a:t>
             </a:r>
           </a:p>
           <a:p>
@@ -10546,7 +10565,7 @@
             <a:pPr lvl="1"/>
             <a:r>
               <a:rPr lang="en-US" dirty="0"/>
-              <a:t>Consider </a:t>
+              <a:t>Maybe </a:t>
             </a:r>
             <a:r>
               <a:rPr lang="en-US" dirty="0" err="1"/>
@@ -10554,7 +10573,7 @@
             </a:r>
             <a:r>
               <a:rPr lang="en-US" dirty="0"/>
-              <a:t> to store different data types</a:t>
+              <a:t> to store different data types?</a:t>
             </a:r>
           </a:p>
           <a:p>
@@ -10784,6 +10803,13 @@
             </a:r>
           </a:p>
           <a:p>
+            <a:pPr lvl="1"/>
+            <a:r>
+              <a:rPr lang="en-US" dirty="0"/>
+              <a:t>Person.  People?  Persons?</a:t>
+            </a:r>
+          </a:p>
+          <a:p>
             <a:r>
               <a:rPr lang="en-US" dirty="0"/>
               <a:t>I like </a:t>
@@ -10922,7 +10948,7 @@
             <a:pPr lvl="1"/>
             <a:r>
               <a:rPr lang="en-US" sz="2000" dirty="0"/>
-              <a:t>1NF – the key exists</a:t>
+              <a:t>1NF – the key exists &amp; no repeating columns (customer1, customer2) or repeating values</a:t>
             </a:r>
           </a:p>
           <a:p>
@@ -11526,7 +11552,7 @@
           <p:cNvPr id="2" name="Title 1">
             <a:extLst>
               <a:ext uri="{FF2B5EF4-FFF2-40B4-BE49-F238E27FC236}">
-                <a16:creationId xmlns:a16="http://schemas.microsoft.com/office/drawing/2014/main" id="{0B7C0254-5627-4CCD-A044-4C583825C96F}"/>
+                <a16:creationId xmlns:a16="http://schemas.microsoft.com/office/drawing/2014/main" id="{C0BE9D9F-FFA4-478D-8391-D7733A6F8945}"/>
               </a:ext>
             </a:extLst>
           </p:cNvPr>
@@ -11544,7 +11570,7 @@
           <a:p>
             <a:r>
               <a:rPr lang="en-US" dirty="0"/>
-              <a:t>Linked Servers are THE DEVIL!</a:t>
+              <a:t>Deploying Schema Changes</a:t>
             </a:r>
           </a:p>
         </p:txBody>
@@ -11554,7 +11580,7 @@
           <p:cNvPr id="3" name="Content Placeholder 2">
             <a:extLst>
               <a:ext uri="{FF2B5EF4-FFF2-40B4-BE49-F238E27FC236}">
-                <a16:creationId xmlns:a16="http://schemas.microsoft.com/office/drawing/2014/main" id="{62C1D7F0-751E-406C-97B4-B1BF1962E43C}"/>
+                <a16:creationId xmlns:a16="http://schemas.microsoft.com/office/drawing/2014/main" id="{461ADF6B-F922-4FA5-B8DF-7C150A059863}"/>
               </a:ext>
             </a:extLst>
           </p:cNvPr>
@@ -11567,107 +11593,106 @@
         </p:nvSpPr>
         <p:spPr/>
         <p:txBody>
-          <a:bodyPr>
-            <a:normAutofit lnSpcReduction="10000"/>
-          </a:bodyPr>
+          <a:bodyPr numCol="1"/>
           <a:lstStyle/>
           <a:p>
             <a:r>
               <a:rPr lang="en-US" dirty="0"/>
-              <a:t>Super, easy, crazy convenient</a:t>
+              <a:t>Hand-rolled</a:t>
+            </a:r>
+          </a:p>
+          <a:p>
+            <a:r>
+              <a:rPr lang="en-US" dirty="0"/>
+              <a:t>Visual Studio SQL Server Database Tools (SSDT)</a:t>
             </a:r>
           </a:p>
           <a:p>
             <a:pPr lvl="1"/>
             <a:r>
               <a:rPr lang="en-US" dirty="0"/>
-              <a:t>SELECT TOP 100 * FROM </a:t>
-            </a:r>
-            <a:r>
-              <a:rPr lang="en-US" dirty="0" err="1"/>
-              <a:t>LinkedServer.TxnDB.dbo.Customer</a:t>
-            </a:r>
+              <a:t>Put your database schema under source control</a:t>
+            </a:r>
+          </a:p>
+          <a:p>
+            <a:r>
+              <a:rPr lang="en-US" dirty="0"/>
+              <a:t>Third-Party Tools</a:t>
+            </a:r>
+          </a:p>
+          <a:p>
+            <a:pPr lvl="1"/>
+            <a:r>
+              <a:rPr lang="en-US" dirty="0"/>
+              <a:t>Very good schema compare</a:t>
+            </a:r>
+          </a:p>
+          <a:p>
+            <a:r>
+              <a:rPr lang="en-US" dirty="0"/>
+              <a:t>Embed change scripts in the application</a:t>
+            </a:r>
+          </a:p>
+          <a:p>
+            <a:r>
+              <a:rPr lang="en-US" dirty="0"/>
+              <a:t>Don’t forget permissions</a:t>
+            </a:r>
+          </a:p>
+          <a:p>
+            <a:r>
+              <a:rPr lang="en-US" dirty="0"/>
+              <a:t>Don’t forget data</a:t>
+            </a:r>
+          </a:p>
+          <a:p>
             <a:endParaRPr lang="en-US" dirty="0"/>
           </a:p>
-          <a:p>
-            <a:r>
-              <a:rPr lang="en-US" dirty="0"/>
-              <a:t>NEVER write cross-server joins</a:t>
-            </a:r>
-          </a:p>
-          <a:p>
-            <a:pPr lvl="1"/>
-            <a:r>
-              <a:rPr lang="en-US" dirty="0"/>
-              <a:t>EXEC @</a:t>
-            </a:r>
-            <a:r>
-              <a:rPr lang="en-US" dirty="0" err="1"/>
-              <a:t>sql</a:t>
-            </a:r>
-            <a:r>
-              <a:rPr lang="en-US" dirty="0"/>
-              <a:t> AT [LS-</a:t>
-            </a:r>
-            <a:r>
-              <a:rPr lang="en-US" dirty="0" err="1"/>
-              <a:t>remoteserver</a:t>
-            </a:r>
-            <a:r>
-              <a:rPr lang="en-US" dirty="0"/>
-              <a:t>]</a:t>
-            </a:r>
-          </a:p>
-          <a:p>
-            <a:r>
-              <a:rPr lang="en-US" dirty="0"/>
-              <a:t>Always use “current logins security context” or allow specific logins</a:t>
-            </a:r>
-          </a:p>
-          <a:p>
-            <a:pPr lvl="1"/>
-            <a:r>
-              <a:rPr lang="en-US" dirty="0"/>
-              <a:t>Avoid privilege escalation</a:t>
-            </a:r>
-          </a:p>
-          <a:p>
-            <a:r>
-              <a:rPr lang="en-US" dirty="0"/>
-              <a:t>Distributed transactions are UGLY across domains</a:t>
-            </a:r>
-          </a:p>
-          <a:p>
-            <a:r>
-              <a:rPr lang="en-US" dirty="0"/>
-              <a:t>Don’t name based on IP or server or instance.  </a:t>
-            </a:r>
-          </a:p>
-          <a:p>
-            <a:pPr lvl="1"/>
-            <a:r>
-              <a:rPr lang="en-US" dirty="0"/>
-              <a:t>ALWAYS point to a static DNS or hosts file entry</a:t>
-            </a:r>
-          </a:p>
-          <a:p>
-            <a:r>
-              <a:rPr lang="en-US" dirty="0"/>
-              <a:t>Consider one linked server per database.  Maybe?</a:t>
-            </a:r>
-          </a:p>
-          <a:p>
-            <a:r>
-              <a:rPr lang="en-US" dirty="0"/>
-              <a:t>Name them something that requires brackets: [LS-</a:t>
-            </a:r>
-            <a:r>
-              <a:rPr lang="en-US" dirty="0" err="1"/>
-              <a:t>TxnDB</a:t>
-            </a:r>
-            <a:r>
-              <a:rPr lang="en-US" dirty="0"/>
-              <a:t>]</a:t>
+        </p:txBody>
+      </p:sp>
+      <p:sp>
+        <p:nvSpPr>
+          <p:cNvPr id="4" name="12-Point Star 3">
+            <a:extLst>
+              <a:ext uri="{FF2B5EF4-FFF2-40B4-BE49-F238E27FC236}">
+                <a16:creationId xmlns:a16="http://schemas.microsoft.com/office/drawing/2014/main" id="{B2168722-A690-4396-A2B2-2470D472B123}"/>
+              </a:ext>
+            </a:extLst>
+          </p:cNvPr>
+          <p:cNvSpPr/>
+          <p:nvPr/>
+        </p:nvSpPr>
+        <p:spPr>
+          <a:xfrm rot="2397239">
+            <a:off x="8140110" y="3702417"/>
+            <a:ext cx="3050940" cy="2463509"/>
+          </a:xfrm>
+          <a:prstGeom prst="star12">
+            <a:avLst/>
+          </a:prstGeom>
+        </p:spPr>
+        <p:style>
+          <a:lnRef idx="1">
+            <a:schemeClr val="accent5"/>
+          </a:lnRef>
+          <a:fillRef idx="2">
+            <a:schemeClr val="accent5"/>
+          </a:fillRef>
+          <a:effectRef idx="1">
+            <a:schemeClr val="accent5"/>
+          </a:effectRef>
+          <a:fontRef idx="minor">
+            <a:schemeClr val="dk1"/>
+          </a:fontRef>
+        </p:style>
+        <p:txBody>
+          <a:bodyPr rtlCol="0" anchor="ctr"/>
+          <a:lstStyle/>
+          <a:p>
+            <a:pPr algn="ctr"/>
+            <a:r>
+              <a:rPr lang="en-US" sz="3600" b="1" dirty="0"/>
+              <a:t>DB2 Demo!</a:t>
             </a:r>
           </a:p>
         </p:txBody>
@@ -11675,7 +11700,7 @@
     </p:spTree>
     <p:extLst>
       <p:ext uri="{BB962C8B-B14F-4D97-AF65-F5344CB8AC3E}">
-        <p14:creationId xmlns:p14="http://schemas.microsoft.com/office/powerpoint/2010/main" val="889742310"/>
+        <p14:creationId xmlns:p14="http://schemas.microsoft.com/office/powerpoint/2010/main" val="1060611692"/>
       </p:ext>
     </p:extLst>
   </p:cSld>
@@ -11746,7 +11771,7 @@
             <p:ph idx="1"/>
             <p:extLst>
               <p:ext uri="{D42A27DB-BD31-4B8C-83A1-F6EECF244321}">
-                <p14:modId xmlns:p14="http://schemas.microsoft.com/office/powerpoint/2010/main" val="57023429"/>
+                <p14:modId xmlns:p14="http://schemas.microsoft.com/office/powerpoint/2010/main" val="4079329050"/>
               </p:ext>
             </p:extLst>
           </p:nvPr>
@@ -11796,186 +11821,6 @@
           <p:cNvPr id="2" name="Title 1">
             <a:extLst>
               <a:ext uri="{FF2B5EF4-FFF2-40B4-BE49-F238E27FC236}">
-                <a16:creationId xmlns:a16="http://schemas.microsoft.com/office/drawing/2014/main" id="{C0BE9D9F-FFA4-478D-8391-D7733A6F8945}"/>
-              </a:ext>
-            </a:extLst>
-          </p:cNvPr>
-          <p:cNvSpPr>
-            <a:spLocks noGrp="1"/>
-          </p:cNvSpPr>
-          <p:nvPr>
-            <p:ph type="title"/>
-          </p:nvPr>
-        </p:nvSpPr>
-        <p:spPr/>
-        <p:txBody>
-          <a:bodyPr/>
-          <a:lstStyle/>
-          <a:p>
-            <a:r>
-              <a:rPr lang="en-US" dirty="0"/>
-              <a:t>Deploying Schema Changes</a:t>
-            </a:r>
-          </a:p>
-        </p:txBody>
-      </p:sp>
-      <p:sp>
-        <p:nvSpPr>
-          <p:cNvPr id="3" name="Content Placeholder 2">
-            <a:extLst>
-              <a:ext uri="{FF2B5EF4-FFF2-40B4-BE49-F238E27FC236}">
-                <a16:creationId xmlns:a16="http://schemas.microsoft.com/office/drawing/2014/main" id="{461ADF6B-F922-4FA5-B8DF-7C150A059863}"/>
-              </a:ext>
-            </a:extLst>
-          </p:cNvPr>
-          <p:cNvSpPr>
-            <a:spLocks noGrp="1"/>
-          </p:cNvSpPr>
-          <p:nvPr>
-            <p:ph idx="1"/>
-          </p:nvPr>
-        </p:nvSpPr>
-        <p:spPr/>
-        <p:txBody>
-          <a:bodyPr numCol="1"/>
-          <a:lstStyle/>
-          <a:p>
-            <a:r>
-              <a:rPr lang="en-US" dirty="0"/>
-              <a:t>Hand-rolled</a:t>
-            </a:r>
-          </a:p>
-          <a:p>
-            <a:r>
-              <a:rPr lang="en-US" dirty="0"/>
-              <a:t>Visual Studio SQL Server Database Tools (SSDT)</a:t>
-            </a:r>
-          </a:p>
-          <a:p>
-            <a:pPr lvl="1"/>
-            <a:r>
-              <a:rPr lang="en-US" dirty="0"/>
-              <a:t>Put your database schema under source control</a:t>
-            </a:r>
-          </a:p>
-          <a:p>
-            <a:r>
-              <a:rPr lang="en-US" dirty="0"/>
-              <a:t>Third-Party Tools</a:t>
-            </a:r>
-          </a:p>
-          <a:p>
-            <a:pPr lvl="1"/>
-            <a:r>
-              <a:rPr lang="en-US" dirty="0"/>
-              <a:t>Very good schema compare</a:t>
-            </a:r>
-          </a:p>
-          <a:p>
-            <a:r>
-              <a:rPr lang="en-US" dirty="0"/>
-              <a:t>Embed change scripts in the application</a:t>
-            </a:r>
-          </a:p>
-          <a:p>
-            <a:r>
-              <a:rPr lang="en-US" dirty="0"/>
-              <a:t>Don’t forget permissions</a:t>
-            </a:r>
-          </a:p>
-          <a:p>
-            <a:r>
-              <a:rPr lang="en-US" dirty="0"/>
-              <a:t>Don’t forget data</a:t>
-            </a:r>
-          </a:p>
-          <a:p>
-            <a:endParaRPr lang="en-US" dirty="0"/>
-          </a:p>
-        </p:txBody>
-      </p:sp>
-      <p:sp>
-        <p:nvSpPr>
-          <p:cNvPr id="4" name="12-Point Star 3">
-            <a:extLst>
-              <a:ext uri="{FF2B5EF4-FFF2-40B4-BE49-F238E27FC236}">
-                <a16:creationId xmlns:a16="http://schemas.microsoft.com/office/drawing/2014/main" id="{B2168722-A690-4396-A2B2-2470D472B123}"/>
-              </a:ext>
-            </a:extLst>
-          </p:cNvPr>
-          <p:cNvSpPr/>
-          <p:nvPr/>
-        </p:nvSpPr>
-        <p:spPr>
-          <a:xfrm rot="2397239">
-            <a:off x="8207610" y="4035828"/>
-            <a:ext cx="2453139" cy="1549360"/>
-          </a:xfrm>
-          <a:prstGeom prst="star12">
-            <a:avLst/>
-          </a:prstGeom>
-        </p:spPr>
-        <p:style>
-          <a:lnRef idx="1">
-            <a:schemeClr val="accent5"/>
-          </a:lnRef>
-          <a:fillRef idx="2">
-            <a:schemeClr val="accent5"/>
-          </a:fillRef>
-          <a:effectRef idx="1">
-            <a:schemeClr val="accent5"/>
-          </a:effectRef>
-          <a:fontRef idx="minor">
-            <a:schemeClr val="dk1"/>
-          </a:fontRef>
-        </p:style>
-        <p:txBody>
-          <a:bodyPr rtlCol="0" anchor="ctr"/>
-          <a:lstStyle/>
-          <a:p>
-            <a:pPr algn="ctr"/>
-            <a:r>
-              <a:rPr lang="en-US" sz="2800" b="1" dirty="0"/>
-              <a:t>Demo!</a:t>
-            </a:r>
-          </a:p>
-        </p:txBody>
-      </p:sp>
-    </p:spTree>
-    <p:extLst>
-      <p:ext uri="{BB962C8B-B14F-4D97-AF65-F5344CB8AC3E}">
-        <p14:creationId xmlns:p14="http://schemas.microsoft.com/office/powerpoint/2010/main" val="1060611692"/>
-      </p:ext>
-    </p:extLst>
-  </p:cSld>
-  <p:clrMapOvr>
-    <a:masterClrMapping/>
-  </p:clrMapOvr>
-</p:sld>
-</file>
-
-<file path=ppt/slides/slide21.xml><?xml version="1.0" encoding="utf-8"?>
-<p:sld xmlns:a="http://schemas.openxmlformats.org/drawingml/2006/main" xmlns:r="http://schemas.openxmlformats.org/officeDocument/2006/relationships" xmlns:p="http://schemas.openxmlformats.org/presentationml/2006/main">
-  <p:cSld>
-    <p:spTree>
-      <p:nvGrpSpPr>
-        <p:cNvPr id="1" name=""/>
-        <p:cNvGrpSpPr/>
-        <p:nvPr/>
-      </p:nvGrpSpPr>
-      <p:grpSpPr>
-        <a:xfrm>
-          <a:off x="0" y="0"/>
-          <a:ext cx="0" cy="0"/>
-          <a:chOff x="0" y="0"/>
-          <a:chExt cx="0" cy="0"/>
-        </a:xfrm>
-      </p:grpSpPr>
-      <p:sp>
-        <p:nvSpPr>
-          <p:cNvPr id="2" name="Title 1">
-            <a:extLst>
-              <a:ext uri="{FF2B5EF4-FFF2-40B4-BE49-F238E27FC236}">
                 <a16:creationId xmlns:a16="http://schemas.microsoft.com/office/drawing/2014/main" id="{963A8FB8-577F-4E09-9235-A99667DC63C0}"/>
               </a:ext>
             </a:extLst>
@@ -12137,7 +11982,7 @@
           <a:p>
             <a:r>
               <a:rPr lang="en-US" dirty="0"/>
-              <a:t>Lock-free, latch-free fast super-fast relational tables w/natively compiled stored procedures</a:t>
+              <a:t>Lock-free, latch-free fast super-fast relational tables</a:t>
             </a:r>
           </a:p>
           <a:p>
@@ -12172,8 +12017,10 @@
             </a:r>
           </a:p>
           <a:p>
-            <a:pPr lvl="1"/>
-            <a:endParaRPr lang="en-US" dirty="0"/>
+            <a:r>
+              <a:rPr lang="en-US" dirty="0"/>
+              <a:t>Optionally persisted to disk</a:t>
+            </a:r>
           </a:p>
           <a:p>
             <a:pPr lvl="1"/>
@@ -13377,7 +13224,42 @@
           <a:p>
             <a:r>
               <a:rPr lang="en-US" dirty="0"/>
-              <a:t>Best for mostly read-only</a:t>
+              <a:t>Good candidates are…</a:t>
+            </a:r>
+          </a:p>
+          <a:p>
+            <a:pPr lvl="1"/>
+            <a:r>
+              <a:rPr lang="en-US" dirty="0"/>
+              <a:t>Wide – lots of columns</a:t>
+            </a:r>
+          </a:p>
+          <a:p>
+            <a:pPr lvl="1"/>
+            <a:r>
+              <a:rPr lang="en-US" dirty="0"/>
+              <a:t>Mostly read-only </a:t>
+            </a:r>
+          </a:p>
+          <a:p>
+            <a:pPr lvl="1"/>
+            <a:r>
+              <a:rPr lang="en-US" dirty="0"/>
+              <a:t>Tall – lots of rows</a:t>
+            </a:r>
+          </a:p>
+          <a:p>
+            <a:pPr lvl="1"/>
+            <a:r>
+              <a:rPr lang="en-US" dirty="0"/>
+              <a:t>More scanning and summing</a:t>
+            </a:r>
+          </a:p>
+          <a:p>
+            <a:pPr lvl="1"/>
+            <a:r>
+              <a:rPr lang="en-US" dirty="0"/>
+              <a:t>Less seeking individual rows</a:t>
             </a:r>
           </a:p>
           <a:p>

--- a/ppt/4. Design Tips/Design Tips.pptx
+++ b/ppt/4. Design Tips/Design Tips.pptx
@@ -5,7 +5,7 @@
     <p:sldMasterId id="2147483696" r:id="rId1"/>
   </p:sldMasterIdLst>
   <p:notesMasterIdLst>
-    <p:notesMasterId r:id="rId22"/>
+    <p:notesMasterId r:id="rId23"/>
   </p:notesMasterIdLst>
   <p:sldIdLst>
     <p:sldId id="256" r:id="rId2"/>
@@ -28,6 +28,7 @@
     <p:sldId id="281" r:id="rId19"/>
     <p:sldId id="285" r:id="rId20"/>
     <p:sldId id="286" r:id="rId21"/>
+    <p:sldId id="294" r:id="rId22"/>
   </p:sldIdLst>
   <p:sldSz cx="12192000" cy="6858000"/>
   <p:notesSz cx="6858000" cy="9144000"/>
@@ -11911,6 +11912,89 @@
 </p:sld>
 </file>
 
+<file path=ppt/slides/slide21.xml><?xml version="1.0" encoding="utf-8"?>
+<p:sld xmlns:a="http://schemas.openxmlformats.org/drawingml/2006/main" xmlns:r="http://schemas.openxmlformats.org/officeDocument/2006/relationships" xmlns:p="http://schemas.openxmlformats.org/presentationml/2006/main">
+  <p:cSld>
+    <p:spTree>
+      <p:nvGrpSpPr>
+        <p:cNvPr id="1" name=""/>
+        <p:cNvGrpSpPr/>
+        <p:nvPr/>
+      </p:nvGrpSpPr>
+      <p:grpSpPr>
+        <a:xfrm>
+          <a:off x="0" y="0"/>
+          <a:ext cx="0" cy="0"/>
+          <a:chOff x="0" y="0"/>
+          <a:chExt cx="0" cy="0"/>
+        </a:xfrm>
+      </p:grpSpPr>
+      <p:sp>
+        <p:nvSpPr>
+          <p:cNvPr id="2" name="Title 1">
+            <a:extLst>
+              <a:ext uri="{FF2B5EF4-FFF2-40B4-BE49-F238E27FC236}">
+                <a16:creationId xmlns:a16="http://schemas.microsoft.com/office/drawing/2014/main" id="{63D461CC-1D1B-4BBA-81F3-3672CAF3E65E}"/>
+              </a:ext>
+            </a:extLst>
+          </p:cNvPr>
+          <p:cNvSpPr>
+            <a:spLocks noGrp="1"/>
+          </p:cNvSpPr>
+          <p:nvPr>
+            <p:ph type="ctrTitle"/>
+          </p:nvPr>
+        </p:nvSpPr>
+        <p:spPr/>
+        <p:txBody>
+          <a:bodyPr/>
+          <a:lstStyle/>
+          <a:p>
+            <a:r>
+              <a:rPr lang="en-US"/>
+              <a:t>Questions?</a:t>
+            </a:r>
+          </a:p>
+        </p:txBody>
+      </p:sp>
+      <p:sp>
+        <p:nvSpPr>
+          <p:cNvPr id="3" name="Subtitle 2">
+            <a:extLst>
+              <a:ext uri="{FF2B5EF4-FFF2-40B4-BE49-F238E27FC236}">
+                <a16:creationId xmlns:a16="http://schemas.microsoft.com/office/drawing/2014/main" id="{128365B4-966E-4D35-A3FB-ED89A385BAF5}"/>
+              </a:ext>
+            </a:extLst>
+          </p:cNvPr>
+          <p:cNvSpPr>
+            <a:spLocks noGrp="1"/>
+          </p:cNvSpPr>
+          <p:nvPr>
+            <p:ph type="subTitle" idx="1"/>
+          </p:nvPr>
+        </p:nvSpPr>
+        <p:spPr/>
+        <p:txBody>
+          <a:bodyPr/>
+          <a:lstStyle/>
+          <a:p>
+            <a:endParaRPr lang="en-US"/>
+          </a:p>
+        </p:txBody>
+      </p:sp>
+    </p:spTree>
+    <p:extLst>
+      <p:ext uri="{BB962C8B-B14F-4D97-AF65-F5344CB8AC3E}">
+        <p14:creationId xmlns:p14="http://schemas.microsoft.com/office/powerpoint/2010/main" val="2826717360"/>
+      </p:ext>
+    </p:extLst>
+  </p:cSld>
+  <p:clrMapOvr>
+    <a:masterClrMapping/>
+  </p:clrMapOvr>
+</p:sld>
+</file>
+
 <file path=ppt/slides/slide3.xml><?xml version="1.0" encoding="utf-8"?>
 <p:sld xmlns:a="http://schemas.openxmlformats.org/drawingml/2006/main" xmlns:r="http://schemas.openxmlformats.org/officeDocument/2006/relationships" xmlns:p="http://schemas.openxmlformats.org/presentationml/2006/main">
   <p:cSld>

--- a/ppt/4. Design Tips/Design Tips.pptx
+++ b/ppt/4. Design Tips/Design Tips.pptx
@@ -5,7 +5,7 @@
     <p:sldMasterId id="2147483696" r:id="rId1"/>
   </p:sldMasterIdLst>
   <p:notesMasterIdLst>
-    <p:notesMasterId r:id="rId23"/>
+    <p:notesMasterId r:id="rId25"/>
   </p:notesMasterIdLst>
   <p:sldIdLst>
     <p:sldId id="256" r:id="rId2"/>
@@ -17,18 +17,20 @@
     <p:sldId id="272" r:id="rId8"/>
     <p:sldId id="278" r:id="rId9"/>
     <p:sldId id="259" r:id="rId10"/>
-    <p:sldId id="279" r:id="rId11"/>
-    <p:sldId id="292" r:id="rId12"/>
-    <p:sldId id="267" r:id="rId13"/>
-    <p:sldId id="287" r:id="rId14"/>
-    <p:sldId id="284" r:id="rId15"/>
-    <p:sldId id="282" r:id="rId16"/>
-    <p:sldId id="280" r:id="rId17"/>
-    <p:sldId id="293" r:id="rId18"/>
-    <p:sldId id="281" r:id="rId19"/>
-    <p:sldId id="285" r:id="rId20"/>
-    <p:sldId id="286" r:id="rId21"/>
-    <p:sldId id="294" r:id="rId22"/>
+    <p:sldId id="266" r:id="rId11"/>
+    <p:sldId id="295" r:id="rId12"/>
+    <p:sldId id="279" r:id="rId13"/>
+    <p:sldId id="292" r:id="rId14"/>
+    <p:sldId id="267" r:id="rId15"/>
+    <p:sldId id="287" r:id="rId16"/>
+    <p:sldId id="284" r:id="rId17"/>
+    <p:sldId id="282" r:id="rId18"/>
+    <p:sldId id="280" r:id="rId19"/>
+    <p:sldId id="293" r:id="rId20"/>
+    <p:sldId id="281" r:id="rId21"/>
+    <p:sldId id="285" r:id="rId22"/>
+    <p:sldId id="286" r:id="rId23"/>
+    <p:sldId id="294" r:id="rId24"/>
   </p:sldIdLst>
   <p:sldSz cx="12192000" cy="6858000"/>
   <p:notesSz cx="6858000" cy="9144000"/>
@@ -3484,7 +3486,7 @@
           <a:p>
             <a:fld id="{DB80C096-A882-44C9-8AC8-94B305455CE5}" type="datetimeFigureOut">
               <a:rPr lang="en-US" smtClean="0"/>
-              <a:t>7/10/2018</a:t>
+              <a:t>7/11/2018</a:t>
             </a:fld>
             <a:endParaRPr lang="en-US"/>
           </a:p>
@@ -4068,7 +4070,7 @@
           <a:p>
             <a:fld id="{EAA33833-1D81-44D2-8DDA-672A68E8EEE1}" type="slidenum">
               <a:rPr lang="en-US" smtClean="0"/>
-              <a:t>12</a:t>
+              <a:t>14</a:t>
             </a:fld>
             <a:endParaRPr lang="en-US"/>
           </a:p>
@@ -4283,7 +4285,7 @@
           <a:p>
             <a:fld id="{B5D5FAF9-4FDB-40C3-AAD9-A45D088333C9}" type="datetimeFigureOut">
               <a:rPr lang="en-US" smtClean="0"/>
-              <a:t>7/10/2018</a:t>
+              <a:t>7/11/2018</a:t>
             </a:fld>
             <a:endParaRPr lang="en-US"/>
           </a:p>
@@ -4564,7 +4566,7 @@
           <a:p>
             <a:fld id="{B5D5FAF9-4FDB-40C3-AAD9-A45D088333C9}" type="datetimeFigureOut">
               <a:rPr lang="en-US" smtClean="0"/>
-              <a:t>7/10/2018</a:t>
+              <a:t>7/11/2018</a:t>
             </a:fld>
             <a:endParaRPr lang="en-US"/>
           </a:p>
@@ -4756,7 +4758,7 @@
           <a:p>
             <a:fld id="{B5D5FAF9-4FDB-40C3-AAD9-A45D088333C9}" type="datetimeFigureOut">
               <a:rPr lang="en-US" smtClean="0"/>
-              <a:t>7/10/2018</a:t>
+              <a:t>7/11/2018</a:t>
             </a:fld>
             <a:endParaRPr lang="en-US"/>
           </a:p>
@@ -5017,7 +5019,7 @@
           <a:p>
             <a:fld id="{B5D5FAF9-4FDB-40C3-AAD9-A45D088333C9}" type="datetimeFigureOut">
               <a:rPr lang="en-US" smtClean="0"/>
-              <a:t>7/10/2018</a:t>
+              <a:t>7/11/2018</a:t>
             </a:fld>
             <a:endParaRPr lang="en-US"/>
           </a:p>
@@ -5443,7 +5445,7 @@
           <a:p>
             <a:fld id="{B5D5FAF9-4FDB-40C3-AAD9-A45D088333C9}" type="datetimeFigureOut">
               <a:rPr lang="en-US" smtClean="0"/>
-              <a:t>7/10/2018</a:t>
+              <a:t>7/11/2018</a:t>
             </a:fld>
             <a:endParaRPr lang="en-US"/>
           </a:p>
@@ -5989,7 +5991,7 @@
           <a:p>
             <a:fld id="{B5D5FAF9-4FDB-40C3-AAD9-A45D088333C9}" type="datetimeFigureOut">
               <a:rPr lang="en-US" smtClean="0"/>
-              <a:t>7/10/2018</a:t>
+              <a:t>7/11/2018</a:t>
             </a:fld>
             <a:endParaRPr lang="en-US"/>
           </a:p>
@@ -6820,7 +6822,7 @@
           <a:p>
             <a:fld id="{B5D5FAF9-4FDB-40C3-AAD9-A45D088333C9}" type="datetimeFigureOut">
               <a:rPr lang="en-US" smtClean="0"/>
-              <a:t>7/10/2018</a:t>
+              <a:t>7/11/2018</a:t>
             </a:fld>
             <a:endParaRPr lang="en-US"/>
           </a:p>
@@ -6990,7 +6992,7 @@
           <a:p>
             <a:fld id="{B5D5FAF9-4FDB-40C3-AAD9-A45D088333C9}" type="datetimeFigureOut">
               <a:rPr lang="en-US" smtClean="0"/>
-              <a:t>7/10/2018</a:t>
+              <a:t>7/11/2018</a:t>
             </a:fld>
             <a:endParaRPr lang="en-US"/>
           </a:p>
@@ -7170,7 +7172,7 @@
           <a:p>
             <a:fld id="{B5D5FAF9-4FDB-40C3-AAD9-A45D088333C9}" type="datetimeFigureOut">
               <a:rPr lang="en-US" smtClean="0"/>
-              <a:t>7/10/2018</a:t>
+              <a:t>7/11/2018</a:t>
             </a:fld>
             <a:endParaRPr lang="en-US"/>
           </a:p>
@@ -7367,7 +7369,7 @@
           <a:p>
             <a:fld id="{B5D5FAF9-4FDB-40C3-AAD9-A45D088333C9}" type="datetimeFigureOut">
               <a:rPr lang="en-US" smtClean="0"/>
-              <a:t>7/10/2018</a:t>
+              <a:t>7/11/2018</a:t>
             </a:fld>
             <a:endParaRPr lang="en-US"/>
           </a:p>
@@ -7624,7 +7626,7 @@
           <a:p>
             <a:fld id="{B5D5FAF9-4FDB-40C3-AAD9-A45D088333C9}" type="datetimeFigureOut">
               <a:rPr lang="en-US" smtClean="0"/>
-              <a:t>7/10/2018</a:t>
+              <a:t>7/11/2018</a:t>
             </a:fld>
             <a:endParaRPr lang="en-US"/>
           </a:p>
@@ -7856,7 +7858,7 @@
           <a:p>
             <a:fld id="{B5D5FAF9-4FDB-40C3-AAD9-A45D088333C9}" type="datetimeFigureOut">
               <a:rPr lang="en-US" smtClean="0"/>
-              <a:t>7/10/2018</a:t>
+              <a:t>7/11/2018</a:t>
             </a:fld>
             <a:endParaRPr lang="en-US"/>
           </a:p>
@@ -8249,7 +8251,7 @@
           <a:p>
             <a:fld id="{B5D5FAF9-4FDB-40C3-AAD9-A45D088333C9}" type="datetimeFigureOut">
               <a:rPr lang="en-US" smtClean="0"/>
-              <a:t>7/10/2018</a:t>
+              <a:t>7/11/2018</a:t>
             </a:fld>
             <a:endParaRPr lang="en-US"/>
           </a:p>
@@ -8367,7 +8369,7 @@
           <a:p>
             <a:fld id="{B5D5FAF9-4FDB-40C3-AAD9-A45D088333C9}" type="datetimeFigureOut">
               <a:rPr lang="en-US" smtClean="0"/>
-              <a:t>7/10/2018</a:t>
+              <a:t>7/11/2018</a:t>
             </a:fld>
             <a:endParaRPr lang="en-US"/>
           </a:p>
@@ -8462,7 +8464,7 @@
           <a:p>
             <a:fld id="{B5D5FAF9-4FDB-40C3-AAD9-A45D088333C9}" type="datetimeFigureOut">
               <a:rPr lang="en-US" smtClean="0"/>
-              <a:t>7/10/2018</a:t>
+              <a:t>7/11/2018</a:t>
             </a:fld>
             <a:endParaRPr lang="en-US"/>
           </a:p>
@@ -8735,7 +8737,7 @@
           <a:p>
             <a:fld id="{B5D5FAF9-4FDB-40C3-AAD9-A45D088333C9}" type="datetimeFigureOut">
               <a:rPr lang="en-US" smtClean="0"/>
-              <a:t>7/10/2018</a:t>
+              <a:t>7/11/2018</a:t>
             </a:fld>
             <a:endParaRPr lang="en-US"/>
           </a:p>
@@ -9016,7 +9018,7 @@
           <a:p>
             <a:fld id="{B5D5FAF9-4FDB-40C3-AAD9-A45D088333C9}" type="datetimeFigureOut">
               <a:rPr lang="en-US" smtClean="0"/>
-              <a:t>7/10/2018</a:t>
+              <a:t>7/11/2018</a:t>
             </a:fld>
             <a:endParaRPr lang="en-US"/>
           </a:p>
@@ -9255,7 +9257,7 @@
           <a:p>
             <a:fld id="{B5D5FAF9-4FDB-40C3-AAD9-A45D088333C9}" type="datetimeFigureOut">
               <a:rPr lang="en-US" smtClean="0"/>
-              <a:t>7/10/2018</a:t>
+              <a:t>7/11/2018</a:t>
             </a:fld>
             <a:endParaRPr lang="en-US"/>
           </a:p>
@@ -9905,7 +9907,7 @@
           <p:cNvPr id="2" name="Title 1">
             <a:extLst>
               <a:ext uri="{FF2B5EF4-FFF2-40B4-BE49-F238E27FC236}">
-                <a16:creationId xmlns:a16="http://schemas.microsoft.com/office/drawing/2014/main" id="{55F5E070-C86D-4853-AEA3-F1B616304033}"/>
+                <a16:creationId xmlns:a16="http://schemas.microsoft.com/office/drawing/2014/main" id="{5472B381-B519-4097-9CF1-1A04441A1B5E}"/>
               </a:ext>
             </a:extLst>
           </p:cNvPr>
@@ -9916,21 +9918,15 @@
             <p:ph type="title"/>
           </p:nvPr>
         </p:nvSpPr>
-        <p:spPr>
-          <a:xfrm>
-            <a:off x="838200" y="365128"/>
-            <a:ext cx="10515600" cy="1091140"/>
-          </a:xfrm>
-        </p:spPr>
+        <p:spPr/>
         <p:txBody>
           <a:bodyPr/>
           <a:lstStyle/>
           <a:p>
             <a:r>
-              <a:rPr lang="en-US"/>
-              <a:t>Security	</a:t>
-            </a:r>
-            <a:endParaRPr lang="en-US" dirty="0"/>
+              <a:rPr lang="en-US" dirty="0"/>
+              <a:t>SQL Server Permissions</a:t>
+            </a:r>
           </a:p>
         </p:txBody>
       </p:sp>
@@ -9939,7 +9935,7 @@
           <p:cNvPr id="3" name="Content Placeholder 2">
             <a:extLst>
               <a:ext uri="{FF2B5EF4-FFF2-40B4-BE49-F238E27FC236}">
-                <a16:creationId xmlns:a16="http://schemas.microsoft.com/office/drawing/2014/main" id="{E1A8FCEB-0A24-41D5-98A1-351692FD6B53}"/>
+                <a16:creationId xmlns:a16="http://schemas.microsoft.com/office/drawing/2014/main" id="{CDF91AC0-03A3-4A91-849D-F8EDABAE1B3C}"/>
               </a:ext>
             </a:extLst>
           </p:cNvPr>
@@ -9950,194 +9946,136 @@
             <p:ph idx="1"/>
           </p:nvPr>
         </p:nvSpPr>
-        <p:spPr/>
-        <p:txBody>
-          <a:bodyPr/>
-          <a:lstStyle/>
-          <a:p>
-            <a:r>
-              <a:rPr lang="en-US" dirty="0"/>
-              <a:t>People go into groups </a:t>
-            </a:r>
-          </a:p>
-          <a:p>
-            <a:pPr lvl="1"/>
-            <a:r>
-              <a:rPr lang="en-US" dirty="0"/>
-              <a:t>Optionally a group for like people (CSRs, Developers, etc.)</a:t>
-            </a:r>
-          </a:p>
-          <a:p>
-            <a:pPr lvl="1"/>
-            <a:r>
-              <a:rPr lang="en-US" dirty="0"/>
-              <a:t>Then a group for permissions (Read-Only, Deploy, </a:t>
-            </a:r>
-            <a:r>
-              <a:rPr lang="en-US" dirty="0" err="1"/>
-              <a:t>SysAdmin</a:t>
-            </a:r>
-            <a:r>
-              <a:rPr lang="en-US" dirty="0"/>
-              <a:t>, </a:t>
-            </a:r>
-            <a:r>
-              <a:rPr lang="en-US" dirty="0" err="1"/>
-              <a:t>Txn</a:t>
-            </a:r>
-            <a:r>
-              <a:rPr lang="en-US" dirty="0"/>
-              <a:t> Admin)</a:t>
-            </a:r>
-          </a:p>
-          <a:p>
-            <a:r>
-              <a:rPr lang="en-US" dirty="0"/>
-              <a:t>Services are granted permissions directly (or one group per service)</a:t>
-            </a:r>
-          </a:p>
-          <a:p>
-            <a:pPr lvl="1"/>
-            <a:r>
-              <a:rPr lang="en-US" dirty="0"/>
-              <a:t>Domain\</a:t>
-            </a:r>
-            <a:r>
-              <a:rPr lang="en-US" dirty="0" err="1"/>
-              <a:t>SvcTxnHost</a:t>
-            </a:r>
-            <a:r>
-              <a:rPr lang="en-US" dirty="0"/>
-              <a:t> </a:t>
-            </a:r>
-          </a:p>
-          <a:p>
-            <a:r>
-              <a:rPr lang="en-US" dirty="0"/>
-              <a:t>Use schemas to group permissions</a:t>
-            </a:r>
-          </a:p>
-        </p:txBody>
-      </p:sp>
-      <p:sp>
-        <p:nvSpPr>
-          <p:cNvPr id="4" name="TextBox 3">
-            <a:extLst>
-              <a:ext uri="{FF2B5EF4-FFF2-40B4-BE49-F238E27FC236}">
-                <a16:creationId xmlns:a16="http://schemas.microsoft.com/office/drawing/2014/main" id="{E278B076-7FE1-48B2-926F-90B0E1634FAE}"/>
-              </a:ext>
-            </a:extLst>
-          </p:cNvPr>
-          <p:cNvSpPr txBox="1"/>
-          <p:nvPr/>
-        </p:nvSpPr>
         <p:spPr>
           <a:xfrm>
-            <a:off x="1258529" y="4857609"/>
-            <a:ext cx="10709983" cy="1815882"/>
+            <a:off x="838200" y="1651878"/>
+            <a:ext cx="10515600" cy="4855983"/>
           </a:xfrm>
-          <a:prstGeom prst="rect">
-            <a:avLst/>
-          </a:prstGeom>
-          <a:noFill/>
         </p:spPr>
         <p:txBody>
-          <a:bodyPr wrap="none" rtlCol="0">
-            <a:spAutoFit/>
+          <a:bodyPr>
+            <a:normAutofit/>
           </a:bodyPr>
           <a:lstStyle/>
           <a:p>
             <a:r>
-              <a:rPr lang="en-US" sz="2800" dirty="0">
-                <a:latin typeface="Courier New" panose="02070309020205020404" pitchFamily="49" charset="0"/>
-                <a:cs typeface="Courier New" panose="02070309020205020404" pitchFamily="49" charset="0"/>
-              </a:rPr>
-              <a:t>CREATE SCHEMA [</a:t>
-            </a:r>
-            <a:r>
-              <a:rPr lang="en-US" sz="2800" dirty="0" err="1">
-                <a:latin typeface="Courier New" panose="02070309020205020404" pitchFamily="49" charset="0"/>
-                <a:cs typeface="Courier New" panose="02070309020205020404" pitchFamily="49" charset="0"/>
-              </a:rPr>
-              <a:t>rpt</a:t>
-            </a:r>
-            <a:r>
-              <a:rPr lang="en-US" sz="2800" dirty="0">
-                <a:latin typeface="Courier New" panose="02070309020205020404" pitchFamily="49" charset="0"/>
-                <a:cs typeface="Courier New" panose="02070309020205020404" pitchFamily="49" charset="0"/>
-              </a:rPr>
-              <a:t>]</a:t>
-            </a:r>
-          </a:p>
-          <a:p>
-            <a:r>
-              <a:rPr lang="en-US" sz="2800" dirty="0">
-                <a:latin typeface="Courier New" panose="02070309020205020404" pitchFamily="49" charset="0"/>
-                <a:cs typeface="Courier New" panose="02070309020205020404" pitchFamily="49" charset="0"/>
-              </a:rPr>
-              <a:t>GRANT EXEC ON schema::[</a:t>
-            </a:r>
-            <a:r>
-              <a:rPr lang="en-US" sz="2800" dirty="0" err="1">
-                <a:latin typeface="Courier New" panose="02070309020205020404" pitchFamily="49" charset="0"/>
-                <a:cs typeface="Courier New" panose="02070309020205020404" pitchFamily="49" charset="0"/>
-              </a:rPr>
-              <a:t>rpt</a:t>
-            </a:r>
-            <a:r>
-              <a:rPr lang="en-US" sz="2800" dirty="0">
-                <a:latin typeface="Courier New" panose="02070309020205020404" pitchFamily="49" charset="0"/>
-                <a:cs typeface="Courier New" panose="02070309020205020404" pitchFamily="49" charset="0"/>
-              </a:rPr>
-              <a:t>] TO [</a:t>
-            </a:r>
-            <a:r>
-              <a:rPr lang="en-US" sz="2800" dirty="0" err="1">
-                <a:latin typeface="Courier New" panose="02070309020205020404" pitchFamily="49" charset="0"/>
-                <a:cs typeface="Courier New" panose="02070309020205020404" pitchFamily="49" charset="0"/>
-              </a:rPr>
-              <a:t>app_ReadOnlyRole</a:t>
-            </a:r>
-            <a:r>
-              <a:rPr lang="en-US" sz="2800" dirty="0">
-                <a:latin typeface="Courier New" panose="02070309020205020404" pitchFamily="49" charset="0"/>
-                <a:cs typeface="Courier New" panose="02070309020205020404" pitchFamily="49" charset="0"/>
-              </a:rPr>
-              <a:t>]</a:t>
-            </a:r>
-          </a:p>
-          <a:p>
-            <a:r>
-              <a:rPr lang="en-US" sz="2800" dirty="0">
-                <a:latin typeface="Courier New" panose="02070309020205020404" pitchFamily="49" charset="0"/>
-                <a:cs typeface="Courier New" panose="02070309020205020404" pitchFamily="49" charset="0"/>
-              </a:rPr>
-              <a:t>CREATE PROC </a:t>
-            </a:r>
-            <a:r>
-              <a:rPr lang="en-US" sz="2800" dirty="0" err="1">
-                <a:latin typeface="Courier New" panose="02070309020205020404" pitchFamily="49" charset="0"/>
-                <a:cs typeface="Courier New" panose="02070309020205020404" pitchFamily="49" charset="0"/>
-              </a:rPr>
-              <a:t>rpt.TxnReport</a:t>
-            </a:r>
-            <a:endParaRPr lang="en-US" sz="2800" dirty="0">
-              <a:latin typeface="Courier New" panose="02070309020205020404" pitchFamily="49" charset="0"/>
-              <a:cs typeface="Courier New" panose="02070309020205020404" pitchFamily="49" charset="0"/>
-            </a:endParaRPr>
-          </a:p>
-          <a:p>
-            <a:endParaRPr lang="en-US" sz="2800" dirty="0">
-              <a:latin typeface="Courier New" panose="02070309020205020404" pitchFamily="49" charset="0"/>
-              <a:cs typeface="Courier New" panose="02070309020205020404" pitchFamily="49" charset="0"/>
-            </a:endParaRPr>
+              <a:rPr lang="en-US" dirty="0"/>
+              <a:t>Server Logins</a:t>
+            </a:r>
+          </a:p>
+          <a:p>
+            <a:pPr lvl="1"/>
+            <a:r>
+              <a:rPr lang="en-US" dirty="0"/>
+              <a:t>Get you into the server: Windows groups, SQL Server logins, etc.</a:t>
+            </a:r>
+          </a:p>
+          <a:p>
+            <a:r>
+              <a:rPr lang="en-US" dirty="0"/>
+              <a:t>Database Users</a:t>
+            </a:r>
+          </a:p>
+          <a:p>
+            <a:pPr lvl="1"/>
+            <a:r>
+              <a:rPr lang="en-US" b="1" dirty="0"/>
+              <a:t>Map to logins using a SID</a:t>
+            </a:r>
+          </a:p>
+          <a:p>
+            <a:pPr lvl="1"/>
+            <a:r>
+              <a:rPr lang="en-US" dirty="0"/>
+              <a:t>Get you permissions inside the database</a:t>
+            </a:r>
+          </a:p>
+          <a:p>
+            <a:r>
+              <a:rPr lang="en-US" dirty="0"/>
+              <a:t>Server Roles</a:t>
+            </a:r>
+          </a:p>
+          <a:p>
+            <a:pPr lvl="1"/>
+            <a:r>
+              <a:rPr lang="en-US" dirty="0"/>
+              <a:t>sysadmin, </a:t>
+            </a:r>
+            <a:r>
+              <a:rPr lang="en-US" dirty="0" err="1"/>
+              <a:t>bulkadmin</a:t>
+            </a:r>
+            <a:r>
+              <a:rPr lang="en-US" dirty="0"/>
+              <a:t>, </a:t>
+            </a:r>
+            <a:r>
+              <a:rPr lang="en-US" dirty="0" err="1"/>
+              <a:t>dbcreator</a:t>
+            </a:r>
+            <a:r>
+              <a:rPr lang="en-US" dirty="0"/>
+              <a:t>, </a:t>
+            </a:r>
+            <a:r>
+              <a:rPr lang="en-US" dirty="0" err="1"/>
+              <a:t>securityadmin</a:t>
+            </a:r>
+            <a:endParaRPr lang="en-US" dirty="0"/>
+          </a:p>
+          <a:p>
+            <a:r>
+              <a:rPr lang="en-US" dirty="0"/>
+              <a:t>Database Roles</a:t>
+            </a:r>
+          </a:p>
+          <a:p>
+            <a:pPr lvl="1"/>
+            <a:r>
+              <a:rPr lang="en-US" dirty="0" err="1"/>
+              <a:t>db_owner</a:t>
+            </a:r>
+            <a:r>
+              <a:rPr lang="en-US" dirty="0"/>
+              <a:t>, </a:t>
+            </a:r>
+            <a:r>
+              <a:rPr lang="en-US" dirty="0" err="1"/>
+              <a:t>db_datareader</a:t>
+            </a:r>
+            <a:r>
+              <a:rPr lang="en-US" dirty="0"/>
+              <a:t>, </a:t>
+            </a:r>
+            <a:r>
+              <a:rPr lang="en-US" dirty="0" err="1"/>
+              <a:t>db_datawriter</a:t>
+            </a:r>
+            <a:r>
+              <a:rPr lang="en-US" dirty="0"/>
+              <a:t>, custom role for EXEC</a:t>
+            </a:r>
+          </a:p>
+          <a:p>
+            <a:r>
+              <a:rPr lang="en-US" dirty="0"/>
+              <a:t>Database, Schema &amp; Object Permissions</a:t>
+            </a:r>
+          </a:p>
+          <a:p>
+            <a:pPr lvl="1"/>
+            <a:r>
+              <a:rPr lang="en-US" dirty="0"/>
+              <a:t>EXEC, SELECT, INSERT, …</a:t>
+            </a:r>
           </a:p>
         </p:txBody>
       </p:sp>
     </p:spTree>
     <p:extLst>
       <p:ext uri="{BB962C8B-B14F-4D97-AF65-F5344CB8AC3E}">
-        <p14:creationId xmlns:p14="http://schemas.microsoft.com/office/powerpoint/2010/main" val="914486495"/>
+        <p14:creationId xmlns:p14="http://schemas.microsoft.com/office/powerpoint/2010/main" val="726782397"/>
       </p:ext>
     </p:extLst>
   </p:cSld>
@@ -10169,7 +10107,7 @@
           <p:cNvPr id="2" name="Title 1">
             <a:extLst>
               <a:ext uri="{FF2B5EF4-FFF2-40B4-BE49-F238E27FC236}">
-                <a16:creationId xmlns:a16="http://schemas.microsoft.com/office/drawing/2014/main" id="{711B8BAB-98EF-40FB-8AF6-9DC37F79154F}"/>
+                <a16:creationId xmlns:a16="http://schemas.microsoft.com/office/drawing/2014/main" id="{F5FECF0E-5234-49B7-A058-37232DBB163F}"/>
               </a:ext>
             </a:extLst>
           </p:cNvPr>
@@ -10182,14 +10120,12 @@
         </p:nvSpPr>
         <p:spPr/>
         <p:txBody>
-          <a:bodyPr>
-            <a:normAutofit/>
-          </a:bodyPr>
+          <a:bodyPr/>
           <a:lstStyle/>
           <a:p>
             <a:r>
               <a:rPr lang="en-US" dirty="0"/>
-              <a:t>Standard Security Groups for People</a:t>
+              <a:t>Special Roles and Users</a:t>
             </a:r>
           </a:p>
         </p:txBody>
@@ -10199,7 +10135,7 @@
           <p:cNvPr id="3" name="Content Placeholder 2">
             <a:extLst>
               <a:ext uri="{FF2B5EF4-FFF2-40B4-BE49-F238E27FC236}">
-                <a16:creationId xmlns:a16="http://schemas.microsoft.com/office/drawing/2014/main" id="{8AC83FCD-6468-4F58-A68F-512BD7065AF7}"/>
+                <a16:creationId xmlns:a16="http://schemas.microsoft.com/office/drawing/2014/main" id="{021FC4AC-E38D-44CD-BAFD-DEAD9BAFEFC0}"/>
               </a:ext>
             </a:extLst>
           </p:cNvPr>
@@ -10210,122 +10146,75 @@
             <p:ph idx="1"/>
           </p:nvPr>
         </p:nvSpPr>
-        <p:spPr>
-          <a:xfrm>
-            <a:off x="838199" y="1636888"/>
-            <a:ext cx="10690185" cy="4855983"/>
-          </a:xfrm>
-        </p:spPr>
-        <p:txBody>
-          <a:bodyPr>
-            <a:normAutofit/>
-          </a:bodyPr>
+        <p:spPr/>
+        <p:txBody>
+          <a:bodyPr/>
           <a:lstStyle/>
           <a:p>
             <a:r>
               <a:rPr lang="en-US" dirty="0"/>
-              <a:t>Sysadmin </a:t>
-            </a:r>
-          </a:p>
-          <a:p>
-            <a:r>
-              <a:rPr lang="en-US" dirty="0"/>
-              <a:t>Deployment – for schema changes</a:t>
+              <a:t>Server: public role</a:t>
             </a:r>
           </a:p>
           <a:p>
             <a:pPr lvl="1"/>
             <a:r>
-              <a:rPr lang="en-US" dirty="0" err="1"/>
-              <a:t>ddl_admin</a:t>
-            </a:r>
-            <a:r>
-              <a:rPr lang="en-US" dirty="0"/>
-              <a:t>, </a:t>
-            </a:r>
-            <a:r>
-              <a:rPr lang="en-US" dirty="0" err="1"/>
-              <a:t>db_datawriter</a:t>
-            </a:r>
-            <a:r>
-              <a:rPr lang="en-US" dirty="0"/>
-              <a:t>, </a:t>
-            </a:r>
-            <a:r>
-              <a:rPr lang="en-US" dirty="0" err="1"/>
-              <a:t>db_securityadmin</a:t>
-            </a:r>
-            <a:endParaRPr lang="en-US" dirty="0"/>
+              <a:rPr lang="en-US" dirty="0"/>
+              <a:t>Everyone is in this – can grant permissions</a:t>
+            </a:r>
+          </a:p>
+          <a:p>
+            <a:r>
+              <a:rPr lang="en-US" dirty="0"/>
+              <a:t>Database: guest user</a:t>
+            </a:r>
           </a:p>
           <a:p>
             <a:pPr lvl="1"/>
             <a:r>
               <a:rPr lang="en-US" dirty="0"/>
-              <a:t>Avoid </a:t>
-            </a:r>
-            <a:r>
-              <a:rPr lang="en-US" dirty="0" err="1"/>
-              <a:t>db_owner</a:t>
-            </a:r>
-            <a:r>
-              <a:rPr lang="en-US" dirty="0"/>
-              <a:t> if you can</a:t>
-            </a:r>
-          </a:p>
-          <a:p>
-            <a:r>
-              <a:rPr lang="en-US" dirty="0"/>
-              <a:t>Read-Only</a:t>
+              <a:t>Disabled by default</a:t>
             </a:r>
           </a:p>
           <a:p>
             <a:pPr lvl="1"/>
             <a:r>
-              <a:rPr lang="en-US" dirty="0" err="1"/>
-              <a:t>db_datareader</a:t>
-            </a:r>
-            <a:r>
-              <a:rPr lang="en-US" dirty="0"/>
-              <a:t>, view definition, </a:t>
-            </a:r>
-            <a:r>
-              <a:rPr lang="en-US" dirty="0" err="1"/>
-              <a:t>showplan</a:t>
-            </a:r>
-            <a:endParaRPr lang="en-US" dirty="0"/>
+              <a:rPr lang="en-US" dirty="0"/>
+              <a:t>Any login without a user is “guest”</a:t>
+            </a:r>
           </a:p>
           <a:p>
             <a:pPr lvl="1"/>
             <a:r>
               <a:rPr lang="en-US" dirty="0"/>
-              <a:t>Possibly EXEC on some stored procedures or schemas</a:t>
-            </a:r>
-          </a:p>
-          <a:p>
-            <a:r>
-              <a:rPr lang="en-US" dirty="0"/>
-              <a:t>Start with server-wide default groups</a:t>
-            </a:r>
-          </a:p>
-          <a:p>
-            <a:r>
-              <a:rPr lang="en-US" dirty="0"/>
-              <a:t>Have a standard script that creates and grants these groups to all databases on a server</a:t>
+              <a:t>Allows any login in the database</a:t>
             </a:r>
           </a:p>
           <a:p>
             <a:pPr lvl="1"/>
             <a:r>
               <a:rPr lang="en-US" dirty="0"/>
-              <a:t>Kendra Little’s “Automation: Granting Read Perms for </a:t>
-            </a:r>
-            <a:r>
-              <a:rPr lang="en-US" dirty="0" err="1"/>
-              <a:t>Devs</a:t>
-            </a:r>
-            <a:r>
-              <a:rPr lang="en-US" dirty="0"/>
-              <a:t>”</a:t>
+              <a:t>Allow INSERTs to audit database?</a:t>
+            </a:r>
+          </a:p>
+          <a:p>
+            <a:pPr lvl="1"/>
+            <a:r>
+              <a:rPr lang="en-US" dirty="0"/>
+              <a:t>Allow INSERTs to logging database?</a:t>
+            </a:r>
+          </a:p>
+          <a:p>
+            <a:r>
+              <a:rPr lang="en-US" dirty="0"/>
+              <a:t>Database: public role</a:t>
+            </a:r>
+          </a:p>
+          <a:p>
+            <a:pPr lvl="1"/>
+            <a:r>
+              <a:rPr lang="en-US" dirty="0"/>
+              <a:t>Every database user is in this</a:t>
             </a:r>
           </a:p>
         </p:txBody>
@@ -10333,7 +10222,7 @@
     </p:spTree>
     <p:extLst>
       <p:ext uri="{BB962C8B-B14F-4D97-AF65-F5344CB8AC3E}">
-        <p14:creationId xmlns:p14="http://schemas.microsoft.com/office/powerpoint/2010/main" val="1035222644"/>
+        <p14:creationId xmlns:p14="http://schemas.microsoft.com/office/powerpoint/2010/main" val="1068226616"/>
       </p:ext>
     </p:extLst>
   </p:cSld>
@@ -10362,7 +10251,13 @@
       </p:grpSpPr>
       <p:sp>
         <p:nvSpPr>
-          <p:cNvPr id="2" name="Title 1"/>
+          <p:cNvPr id="2" name="Title 1">
+            <a:extLst>
+              <a:ext uri="{FF2B5EF4-FFF2-40B4-BE49-F238E27FC236}">
+                <a16:creationId xmlns:a16="http://schemas.microsoft.com/office/drawing/2014/main" id="{55F5E070-C86D-4853-AEA3-F1B616304033}"/>
+              </a:ext>
+            </a:extLst>
+          </p:cNvPr>
           <p:cNvSpPr>
             <a:spLocks noGrp="1"/>
           </p:cNvSpPr>
@@ -10370,21 +10265,33 @@
             <p:ph type="title"/>
           </p:nvPr>
         </p:nvSpPr>
-        <p:spPr/>
+        <p:spPr>
+          <a:xfrm>
+            <a:off x="838200" y="365128"/>
+            <a:ext cx="10515600" cy="1091140"/>
+          </a:xfrm>
+        </p:spPr>
         <p:txBody>
           <a:bodyPr/>
           <a:lstStyle/>
           <a:p>
             <a:r>
-              <a:rPr lang="en-US" dirty="0"/>
-              <a:t>SQL like it’s NoSQL</a:t>
-            </a:r>
-          </a:p>
-        </p:txBody>
-      </p:sp>
-      <p:sp>
-        <p:nvSpPr>
-          <p:cNvPr id="3" name="Content Placeholder 2"/>
+              <a:rPr lang="en-US"/>
+              <a:t>Security	</a:t>
+            </a:r>
+            <a:endParaRPr lang="en-US" dirty="0"/>
+          </a:p>
+        </p:txBody>
+      </p:sp>
+      <p:sp>
+        <p:nvSpPr>
+          <p:cNvPr id="3" name="Content Placeholder 2">
+            <a:extLst>
+              <a:ext uri="{FF2B5EF4-FFF2-40B4-BE49-F238E27FC236}">
+                <a16:creationId xmlns:a16="http://schemas.microsoft.com/office/drawing/2014/main" id="{E1A8FCEB-0A24-41D5-98A1-351692FD6B53}"/>
+              </a:ext>
+            </a:extLst>
+          </p:cNvPr>
           <p:cNvSpPr>
             <a:spLocks noGrp="1"/>
           </p:cNvSpPr>
@@ -10394,83 +10301,209 @@
         </p:nvSpPr>
         <p:spPr/>
         <p:txBody>
-          <a:bodyPr>
-            <a:normAutofit/>
-          </a:bodyPr>
+          <a:bodyPr/>
           <a:lstStyle/>
           <a:p>
             <a:r>
               <a:rPr lang="en-US" dirty="0"/>
-              <a:t>Adding column with NOT NULL DEFAULT is a meta data change</a:t>
-            </a:r>
-          </a:p>
-          <a:p>
-            <a:r>
-              <a:rPr lang="en-US" dirty="0"/>
-              <a:t>Changing data types is easier in SQL Server 2016</a:t>
-            </a:r>
-          </a:p>
-          <a:p>
-            <a:r>
-              <a:rPr lang="en-US" dirty="0"/>
-              <a:t>Increase INT to BIGINT</a:t>
+              <a:t>People go into groups </a:t>
             </a:r>
           </a:p>
           <a:p>
             <a:pPr lvl="1"/>
             <a:r>
               <a:rPr lang="en-US" dirty="0"/>
-              <a:t>Enable ROW compression, then expand</a:t>
-            </a:r>
-          </a:p>
-          <a:p>
-            <a:r>
-              <a:rPr lang="en-US" dirty="0"/>
-              <a:t>Store schema-less data in XML or key-value tables</a:t>
+              <a:t>Optionally a group for like people (CSRs, Developers, etc.)</a:t>
             </a:r>
           </a:p>
           <a:p>
             <a:pPr lvl="1"/>
             <a:r>
               <a:rPr lang="en-US" dirty="0"/>
-              <a:t>JSON in SQL Server 2016</a:t>
-            </a:r>
-          </a:p>
-          <a:p>
-            <a:r>
-              <a:rPr lang="en-US" dirty="0"/>
-              <a:t>Availability Groups and Replication support adding and removing columns</a:t>
-            </a:r>
-          </a:p>
-          <a:p>
-            <a:r>
-              <a:rPr lang="en-US" dirty="0"/>
-              <a:t>Avoid </a:t>
-            </a:r>
-            <a:r>
-              <a:rPr lang="en-US" dirty="0">
+              <a:t>Then a group for permissions (Read-Only, Deploy, </a:t>
+            </a:r>
+            <a:r>
+              <a:rPr lang="en-US" dirty="0" err="1"/>
+              <a:t>SysAdmin</a:t>
+            </a:r>
+            <a:r>
+              <a:rPr lang="en-US" dirty="0"/>
+              <a:t>, </a:t>
+            </a:r>
+            <a:r>
+              <a:rPr lang="en-US" dirty="0" err="1"/>
+              <a:t>Txn</a:t>
+            </a:r>
+            <a:r>
+              <a:rPr lang="en-US" dirty="0"/>
+              <a:t> Admin)</a:t>
+            </a:r>
+          </a:p>
+          <a:p>
+            <a:r>
+              <a:rPr lang="en-US" dirty="0"/>
+              <a:t>Services are granted permissions directly (or one group per service)</a:t>
+            </a:r>
+          </a:p>
+          <a:p>
+            <a:pPr lvl="1"/>
+            <a:r>
+              <a:rPr lang="en-US" dirty="0"/>
+              <a:t>Domain\</a:t>
+            </a:r>
+            <a:r>
+              <a:rPr lang="en-US" dirty="0" err="1"/>
+              <a:t>SvcTxnHost</a:t>
+            </a:r>
+            <a:r>
+              <a:rPr lang="en-US" dirty="0"/>
+              <a:t> </a:t>
+            </a:r>
+          </a:p>
+          <a:p>
+            <a:r>
+              <a:rPr lang="en-US" dirty="0"/>
+              <a:t>Use schemas to group permissions</a:t>
+            </a:r>
+          </a:p>
+          <a:p>
+            <a:r>
+              <a:rPr lang="en-US" dirty="0"/>
+              <a:t>Never, ever enable </a:t>
+            </a:r>
+            <a:r>
+              <a:rPr lang="en-US" dirty="0" err="1">
                 <a:latin typeface="Courier New" panose="02070309020205020404" pitchFamily="49" charset="0"/>
                 <a:cs typeface="Courier New" panose="02070309020205020404" pitchFamily="49" charset="0"/>
               </a:rPr>
-              <a:t>SELECT *</a:t>
-            </a:r>
-            <a:r>
-              <a:rPr lang="en-US" dirty="0"/>
-              <a:t> as this may break when columns change</a:t>
-            </a:r>
-          </a:p>
-          <a:p>
-            <a:endParaRPr lang="en-US" dirty="0"/>
-          </a:p>
-          <a:p>
-            <a:endParaRPr lang="en-US" dirty="0"/>
+              <a:t>xp_cmdshell</a:t>
+            </a:r>
+            <a:r>
+              <a:rPr lang="en-US" dirty="0"/>
+              <a:t> </a:t>
+            </a:r>
+          </a:p>
+        </p:txBody>
+      </p:sp>
+      <p:sp>
+        <p:nvSpPr>
+          <p:cNvPr id="4" name="TextBox 3">
+            <a:extLst>
+              <a:ext uri="{FF2B5EF4-FFF2-40B4-BE49-F238E27FC236}">
+                <a16:creationId xmlns:a16="http://schemas.microsoft.com/office/drawing/2014/main" id="{E278B076-7FE1-48B2-926F-90B0E1634FAE}"/>
+              </a:ext>
+            </a:extLst>
+          </p:cNvPr>
+          <p:cNvSpPr txBox="1"/>
+          <p:nvPr/>
+        </p:nvSpPr>
+        <p:spPr>
+          <a:xfrm>
+            <a:off x="1482017" y="5042118"/>
+            <a:ext cx="10709983" cy="1815882"/>
+          </a:xfrm>
+          <a:prstGeom prst="rect">
+            <a:avLst/>
+          </a:prstGeom>
+          <a:noFill/>
+        </p:spPr>
+        <p:txBody>
+          <a:bodyPr wrap="none" rtlCol="0">
+            <a:spAutoFit/>
+          </a:bodyPr>
+          <a:lstStyle/>
+          <a:p>
+            <a:r>
+              <a:rPr lang="en-US" sz="2800" dirty="0">
+                <a:latin typeface="Courier New" panose="02070309020205020404" pitchFamily="49" charset="0"/>
+                <a:cs typeface="Courier New" panose="02070309020205020404" pitchFamily="49" charset="0"/>
+              </a:rPr>
+              <a:t>CREATE SCHEMA [</a:t>
+            </a:r>
+            <a:r>
+              <a:rPr lang="en-US" sz="2800" dirty="0" err="1">
+                <a:latin typeface="Courier New" panose="02070309020205020404" pitchFamily="49" charset="0"/>
+                <a:cs typeface="Courier New" panose="02070309020205020404" pitchFamily="49" charset="0"/>
+              </a:rPr>
+              <a:t>rpt</a:t>
+            </a:r>
+            <a:r>
+              <a:rPr lang="en-US" sz="2800" dirty="0">
+                <a:latin typeface="Courier New" panose="02070309020205020404" pitchFamily="49" charset="0"/>
+                <a:cs typeface="Courier New" panose="02070309020205020404" pitchFamily="49" charset="0"/>
+              </a:rPr>
+              <a:t>]</a:t>
+            </a:r>
+          </a:p>
+          <a:p>
+            <a:r>
+              <a:rPr lang="en-US" sz="2800" dirty="0">
+                <a:latin typeface="Courier New" panose="02070309020205020404" pitchFamily="49" charset="0"/>
+                <a:cs typeface="Courier New" panose="02070309020205020404" pitchFamily="49" charset="0"/>
+              </a:rPr>
+              <a:t>GRANT EXEC ON schema::[</a:t>
+            </a:r>
+            <a:r>
+              <a:rPr lang="en-US" sz="2800" dirty="0" err="1">
+                <a:latin typeface="Courier New" panose="02070309020205020404" pitchFamily="49" charset="0"/>
+                <a:cs typeface="Courier New" panose="02070309020205020404" pitchFamily="49" charset="0"/>
+              </a:rPr>
+              <a:t>rpt</a:t>
+            </a:r>
+            <a:r>
+              <a:rPr lang="en-US" sz="2800" dirty="0">
+                <a:latin typeface="Courier New" panose="02070309020205020404" pitchFamily="49" charset="0"/>
+                <a:cs typeface="Courier New" panose="02070309020205020404" pitchFamily="49" charset="0"/>
+              </a:rPr>
+              <a:t>] TO [</a:t>
+            </a:r>
+            <a:r>
+              <a:rPr lang="en-US" sz="2800" dirty="0" err="1">
+                <a:latin typeface="Courier New" panose="02070309020205020404" pitchFamily="49" charset="0"/>
+                <a:cs typeface="Courier New" panose="02070309020205020404" pitchFamily="49" charset="0"/>
+              </a:rPr>
+              <a:t>app_ReadOnlyRole</a:t>
+            </a:r>
+            <a:r>
+              <a:rPr lang="en-US" sz="2800" dirty="0">
+                <a:latin typeface="Courier New" panose="02070309020205020404" pitchFamily="49" charset="0"/>
+                <a:cs typeface="Courier New" panose="02070309020205020404" pitchFamily="49" charset="0"/>
+              </a:rPr>
+              <a:t>]</a:t>
+            </a:r>
+          </a:p>
+          <a:p>
+            <a:r>
+              <a:rPr lang="en-US" sz="2800" dirty="0">
+                <a:latin typeface="Courier New" panose="02070309020205020404" pitchFamily="49" charset="0"/>
+                <a:cs typeface="Courier New" panose="02070309020205020404" pitchFamily="49" charset="0"/>
+              </a:rPr>
+              <a:t>CREATE PROC </a:t>
+            </a:r>
+            <a:r>
+              <a:rPr lang="en-US" sz="2800" dirty="0" err="1">
+                <a:latin typeface="Courier New" panose="02070309020205020404" pitchFamily="49" charset="0"/>
+                <a:cs typeface="Courier New" panose="02070309020205020404" pitchFamily="49" charset="0"/>
+              </a:rPr>
+              <a:t>rpt.TxnReport</a:t>
+            </a:r>
+            <a:endParaRPr lang="en-US" sz="2800" dirty="0">
+              <a:latin typeface="Courier New" panose="02070309020205020404" pitchFamily="49" charset="0"/>
+              <a:cs typeface="Courier New" panose="02070309020205020404" pitchFamily="49" charset="0"/>
+            </a:endParaRPr>
+          </a:p>
+          <a:p>
+            <a:endParaRPr lang="en-US" sz="2800" dirty="0">
+              <a:latin typeface="Courier New" panose="02070309020205020404" pitchFamily="49" charset="0"/>
+              <a:cs typeface="Courier New" panose="02070309020205020404" pitchFamily="49" charset="0"/>
+            </a:endParaRPr>
           </a:p>
         </p:txBody>
       </p:sp>
     </p:spTree>
     <p:extLst>
       <p:ext uri="{BB962C8B-B14F-4D97-AF65-F5344CB8AC3E}">
-        <p14:creationId xmlns:p14="http://schemas.microsoft.com/office/powerpoint/2010/main" val="4223866573"/>
+        <p14:creationId xmlns:p14="http://schemas.microsoft.com/office/powerpoint/2010/main" val="914486495"/>
       </p:ext>
     </p:extLst>
   </p:cSld>
@@ -10502,7 +10535,7 @@
           <p:cNvPr id="2" name="Title 1">
             <a:extLst>
               <a:ext uri="{FF2B5EF4-FFF2-40B4-BE49-F238E27FC236}">
-                <a16:creationId xmlns:a16="http://schemas.microsoft.com/office/drawing/2014/main" id="{39D974C6-8549-43A3-B803-25EE67CD14B0}"/>
+                <a16:creationId xmlns:a16="http://schemas.microsoft.com/office/drawing/2014/main" id="{711B8BAB-98EF-40FB-8AF6-9DC37F79154F}"/>
               </a:ext>
             </a:extLst>
           </p:cNvPr>
@@ -10515,12 +10548,14 @@
         </p:nvSpPr>
         <p:spPr/>
         <p:txBody>
-          <a:bodyPr/>
+          <a:bodyPr>
+            <a:normAutofit/>
+          </a:bodyPr>
           <a:lstStyle/>
           <a:p>
             <a:r>
               <a:rPr lang="en-US" dirty="0"/>
-              <a:t>Non-Relational Data</a:t>
+              <a:t>My Default Security Groups for People</a:t>
             </a:r>
           </a:p>
         </p:txBody>
@@ -10530,7 +10565,7 @@
           <p:cNvPr id="3" name="Content Placeholder 2">
             <a:extLst>
               <a:ext uri="{FF2B5EF4-FFF2-40B4-BE49-F238E27FC236}">
-                <a16:creationId xmlns:a16="http://schemas.microsoft.com/office/drawing/2014/main" id="{4E987527-B381-4F41-B346-A7358F9FE572}"/>
+                <a16:creationId xmlns:a16="http://schemas.microsoft.com/office/drawing/2014/main" id="{8AC83FCD-6468-4F58-A68F-512BD7065AF7}"/>
               </a:ext>
             </a:extLst>
           </p:cNvPr>
@@ -10541,76 +10576,132 @@
             <p:ph idx="1"/>
           </p:nvPr>
         </p:nvSpPr>
-        <p:spPr/>
-        <p:txBody>
-          <a:bodyPr/>
+        <p:spPr>
+          <a:xfrm>
+            <a:off x="838199" y="1636888"/>
+            <a:ext cx="10690185" cy="4855983"/>
+          </a:xfrm>
+        </p:spPr>
+        <p:txBody>
+          <a:bodyPr>
+            <a:normAutofit/>
+          </a:bodyPr>
           <a:lstStyle/>
           <a:p>
             <a:r>
               <a:rPr lang="en-US" dirty="0"/>
-              <a:t>Maybe create a Entity Attribute Value table?</a:t>
+              <a:t>Sysadmin </a:t>
+            </a:r>
+          </a:p>
+          <a:p>
+            <a:r>
+              <a:rPr lang="en-US" dirty="0"/>
+              <a:t>Deployment – for schema changes</a:t>
             </a:r>
           </a:p>
           <a:p>
             <a:pPr lvl="1"/>
             <a:r>
               <a:rPr lang="en-US" dirty="0" err="1"/>
-              <a:t>EntityID</a:t>
-            </a:r>
-            <a:r>
-              <a:rPr lang="en-US" dirty="0"/>
-              <a:t>, Attribute, Value</a:t>
-            </a:r>
+              <a:t>ddl_admin</a:t>
+            </a:r>
+            <a:r>
+              <a:rPr lang="en-US" dirty="0"/>
+              <a:t>, </a:t>
+            </a:r>
+            <a:r>
+              <a:rPr lang="en-US" dirty="0" err="1"/>
+              <a:t>db_datawriter</a:t>
+            </a:r>
+            <a:r>
+              <a:rPr lang="en-US" dirty="0"/>
+              <a:t>, </a:t>
+            </a:r>
+            <a:r>
+              <a:rPr lang="en-US" dirty="0" err="1"/>
+              <a:t>db_securityadmin</a:t>
+            </a:r>
+            <a:endParaRPr lang="en-US" dirty="0"/>
           </a:p>
           <a:p>
             <a:pPr lvl="1"/>
             <a:r>
               <a:rPr lang="en-US" dirty="0"/>
-              <a:t>Maybe </a:t>
+              <a:t>Avoid </a:t>
             </a:r>
             <a:r>
               <a:rPr lang="en-US" dirty="0" err="1"/>
-              <a:t>sql_variant</a:t>
-            </a:r>
-            <a:r>
-              <a:rPr lang="en-US" dirty="0"/>
-              <a:t> to store different data types?</a:t>
+              <a:t>db_owner</a:t>
+            </a:r>
+            <a:r>
+              <a:rPr lang="en-US" dirty="0"/>
+              <a:t> if you can</a:t>
+            </a:r>
+          </a:p>
+          <a:p>
+            <a:r>
+              <a:rPr lang="en-US" dirty="0"/>
+              <a:t>Read-Only</a:t>
             </a:r>
           </a:p>
           <a:p>
             <a:pPr lvl="1"/>
             <a:r>
-              <a:rPr lang="en-US" dirty="0"/>
-              <a:t>COMPRESS!</a:t>
-            </a:r>
-          </a:p>
-          <a:p>
-            <a:r>
-              <a:rPr lang="en-US" dirty="0"/>
-              <a:t>Store XML in an XML data type</a:t>
-            </a:r>
-          </a:p>
-          <a:p>
-            <a:r>
-              <a:rPr lang="en-US" dirty="0"/>
-              <a:t>Store JSON in NVARCHAR (SQL Server 2016)</a:t>
-            </a:r>
+              <a:rPr lang="en-US" dirty="0" err="1"/>
+              <a:t>db_datareader</a:t>
+            </a:r>
+            <a:r>
+              <a:rPr lang="en-US" dirty="0"/>
+              <a:t>, view definition, </a:t>
+            </a:r>
+            <a:r>
+              <a:rPr lang="en-US" dirty="0" err="1"/>
+              <a:t>showplan</a:t>
+            </a:r>
+            <a:endParaRPr lang="en-US" dirty="0"/>
           </a:p>
           <a:p>
             <a:pPr lvl="1"/>
             <a:r>
               <a:rPr lang="en-US" dirty="0"/>
-              <a:t>Can build indexes on parsed JSON values</a:t>
-            </a:r>
-          </a:p>
-        </p:txBody>
-      </p:sp>
-      <p:sp>
-        <p:nvSpPr>
-          <p:cNvPr id="4" name="12-Point Star 3">
+              <a:t>Possibly EXEC on some stored procedures or schemas</a:t>
+            </a:r>
+          </a:p>
+          <a:p>
+            <a:r>
+              <a:rPr lang="en-US" dirty="0"/>
+              <a:t>Start with server-wide default groups</a:t>
+            </a:r>
+          </a:p>
+          <a:p>
+            <a:r>
+              <a:rPr lang="en-US" dirty="0"/>
+              <a:t>Have a standard script that creates and grants these groups to all databases on a server</a:t>
+            </a:r>
+          </a:p>
+          <a:p>
+            <a:pPr lvl="1"/>
+            <a:r>
+              <a:rPr lang="en-US" dirty="0"/>
+              <a:t>Kendra Little’s “Automation: Granting Read Perms for </a:t>
+            </a:r>
+            <a:r>
+              <a:rPr lang="en-US" dirty="0" err="1"/>
+              <a:t>Devs</a:t>
+            </a:r>
+            <a:r>
+              <a:rPr lang="en-US" dirty="0"/>
+              <a:t>”</a:t>
+            </a:r>
+          </a:p>
+        </p:txBody>
+      </p:sp>
+      <p:sp>
+        <p:nvSpPr>
+          <p:cNvPr id="5" name="Speech Bubble: Rectangle with Corners Rounded 4">
             <a:extLst>
               <a:ext uri="{FF2B5EF4-FFF2-40B4-BE49-F238E27FC236}">
-                <a16:creationId xmlns:a16="http://schemas.microsoft.com/office/drawing/2014/main" id="{1C36AEF8-B078-4F19-8A8F-04A41229B208}"/>
+                <a16:creationId xmlns:a16="http://schemas.microsoft.com/office/drawing/2014/main" id="{364D7C59-A8DE-47A7-93BE-8716E89EC092}"/>
               </a:ext>
             </a:extLst>
           </p:cNvPr>
@@ -10618,26 +10709,32 @@
           <p:nvPr/>
         </p:nvSpPr>
         <p:spPr>
-          <a:xfrm rot="2397239">
-            <a:off x="9163200" y="3202526"/>
-            <a:ext cx="2453139" cy="1549360"/>
+          <a:xfrm>
+            <a:off x="8255000" y="1416756"/>
+            <a:ext cx="3098800" cy="1906412"/>
           </a:xfrm>
-          <a:prstGeom prst="star12">
-            <a:avLst/>
+          <a:prstGeom prst="wedgeRoundRectCallout">
+            <a:avLst>
+              <a:gd name="adj1" fmla="val -77888"/>
+              <a:gd name="adj2" fmla="val -3272"/>
+              <a:gd name="adj3" fmla="val 16667"/>
+            </a:avLst>
           </a:prstGeom>
         </p:spPr>
         <p:style>
-          <a:lnRef idx="1">
-            <a:schemeClr val="accent5"/>
+          <a:lnRef idx="2">
+            <a:schemeClr val="accent1">
+              <a:shade val="50000"/>
+            </a:schemeClr>
           </a:lnRef>
-          <a:fillRef idx="2">
-            <a:schemeClr val="accent5"/>
+          <a:fillRef idx="1">
+            <a:schemeClr val="accent1"/>
           </a:fillRef>
-          <a:effectRef idx="1">
-            <a:schemeClr val="accent5"/>
+          <a:effectRef idx="0">
+            <a:schemeClr val="accent1"/>
           </a:effectRef>
           <a:fontRef idx="minor">
-            <a:schemeClr val="dk1"/>
+            <a:schemeClr val="lt1"/>
           </a:fontRef>
         </p:style>
         <p:txBody>
@@ -10646,8 +10743,8 @@
           <a:p>
             <a:pPr algn="ctr"/>
             <a:r>
-              <a:rPr lang="en-US" sz="2800" b="1" dirty="0"/>
-              <a:t>Demo!</a:t>
+              <a:rPr lang="en-US" sz="3200" dirty="0"/>
+              <a:t>Separate login for changes</a:t>
             </a:r>
           </a:p>
         </p:txBody>
@@ -10655,7 +10752,7 @@
     </p:spTree>
     <p:extLst>
       <p:ext uri="{BB962C8B-B14F-4D97-AF65-F5344CB8AC3E}">
-        <p14:creationId xmlns:p14="http://schemas.microsoft.com/office/powerpoint/2010/main" val="2398389422"/>
+        <p14:creationId xmlns:p14="http://schemas.microsoft.com/office/powerpoint/2010/main" val="1035222644"/>
       </p:ext>
     </p:extLst>
   </p:cSld>
@@ -10684,13 +10781,7 @@
       </p:grpSpPr>
       <p:sp>
         <p:nvSpPr>
-          <p:cNvPr id="2" name="Title 1">
-            <a:extLst>
-              <a:ext uri="{FF2B5EF4-FFF2-40B4-BE49-F238E27FC236}">
-                <a16:creationId xmlns:a16="http://schemas.microsoft.com/office/drawing/2014/main" id="{B1DED12F-3627-4A73-BB68-BC5480C45990}"/>
-              </a:ext>
-            </a:extLst>
-          </p:cNvPr>
+          <p:cNvPr id="2" name="Title 1"/>
           <p:cNvSpPr>
             <a:spLocks noGrp="1"/>
           </p:cNvSpPr>
@@ -10705,20 +10796,14 @@
           <a:p>
             <a:r>
               <a:rPr lang="en-US" dirty="0"/>
-              <a:t>Object Naming</a:t>
-            </a:r>
-          </a:p>
-        </p:txBody>
-      </p:sp>
-      <p:sp>
-        <p:nvSpPr>
-          <p:cNvPr id="3" name="Content Placeholder 2">
-            <a:extLst>
-              <a:ext uri="{FF2B5EF4-FFF2-40B4-BE49-F238E27FC236}">
-                <a16:creationId xmlns:a16="http://schemas.microsoft.com/office/drawing/2014/main" id="{61D4D580-606A-4BCD-80C2-B7DFEF6B9F35}"/>
-              </a:ext>
-            </a:extLst>
-          </p:cNvPr>
+              <a:t>SQL like it’s NoSQL</a:t>
+            </a:r>
+          </a:p>
+        </p:txBody>
+      </p:sp>
+      <p:sp>
+        <p:nvSpPr>
+          <p:cNvPr id="3" name="Content Placeholder 2"/>
           <p:cNvSpPr>
             <a:spLocks noGrp="1"/>
           </p:cNvSpPr>
@@ -10728,141 +10813,83 @@
         </p:nvSpPr>
         <p:spPr/>
         <p:txBody>
-          <a:bodyPr/>
+          <a:bodyPr>
+            <a:normAutofit/>
+          </a:bodyPr>
           <a:lstStyle/>
           <a:p>
             <a:r>
               <a:rPr lang="en-US" dirty="0"/>
-              <a:t>Table Names are SINGULAR!  Everyone else is WRONG!</a:t>
+              <a:t>Adding column with NOT NULL DEFAULT is a meta data change</a:t>
+            </a:r>
+          </a:p>
+          <a:p>
+            <a:r>
+              <a:rPr lang="en-US" dirty="0"/>
+              <a:t>Changing data types is easier in SQL Server 2016</a:t>
+            </a:r>
+          </a:p>
+          <a:p>
+            <a:r>
+              <a:rPr lang="en-US" dirty="0"/>
+              <a:t>Increase INT to BIGINT</a:t>
             </a:r>
           </a:p>
           <a:p>
             <a:pPr lvl="1"/>
             <a:r>
               <a:rPr lang="en-US" dirty="0"/>
-              <a:t>Match your class in the client application</a:t>
+              <a:t>Enable ROW compression, then expand</a:t>
+            </a:r>
+          </a:p>
+          <a:p>
+            <a:r>
+              <a:rPr lang="en-US" dirty="0"/>
+              <a:t>Store schema-less data in XML or key-value tables</a:t>
             </a:r>
           </a:p>
           <a:p>
             <a:pPr lvl="1"/>
             <a:r>
               <a:rPr lang="en-US" dirty="0"/>
-              <a:t>Sort better in lists</a:t>
-            </a:r>
-          </a:p>
-          <a:p>
-            <a:pPr lvl="2"/>
-            <a:r>
-              <a:rPr lang="en-US" dirty="0"/>
-              <a:t>Intersection tables are “</a:t>
-            </a:r>
-            <a:r>
-              <a:rPr lang="en-US" dirty="0" err="1"/>
-              <a:t>UserAccount</a:t>
-            </a:r>
-            <a:r>
-              <a:rPr lang="en-US" dirty="0"/>
-              <a:t>” instead of “</a:t>
-            </a:r>
-            <a:r>
-              <a:rPr lang="en-US" dirty="0" err="1"/>
-              <a:t>UsersAccounts</a:t>
-            </a:r>
-            <a:r>
-              <a:rPr lang="en-US" dirty="0"/>
-              <a:t>”</a:t>
-            </a:r>
-          </a:p>
-          <a:p>
-            <a:pPr lvl="2"/>
-            <a:r>
-              <a:rPr lang="en-US" dirty="0"/>
-              <a:t>I hate your </a:t>
-            </a:r>
-            <a:r>
-              <a:rPr lang="en-US" dirty="0" err="1"/>
-              <a:t>ActivitiesDetail</a:t>
-            </a:r>
-            <a:r>
-              <a:rPr lang="en-US" dirty="0"/>
-              <a:t> table</a:t>
-            </a:r>
-          </a:p>
-          <a:p>
-            <a:pPr lvl="1"/>
-            <a:r>
-              <a:rPr lang="en-US" dirty="0"/>
-              <a:t>JOINS are </a:t>
-            </a:r>
-            <a:r>
-              <a:rPr lang="en-US" dirty="0" err="1"/>
-              <a:t>Customer.AccountID</a:t>
-            </a:r>
-            <a:r>
-              <a:rPr lang="en-US" dirty="0"/>
-              <a:t> = Account.ID</a:t>
-            </a:r>
-          </a:p>
-          <a:p>
-            <a:pPr lvl="1"/>
-            <a:r>
-              <a:rPr lang="en-US" dirty="0"/>
-              <a:t>Person.  People?  Persons?</a:t>
-            </a:r>
-          </a:p>
-          <a:p>
-            <a:r>
-              <a:rPr lang="en-US" dirty="0"/>
-              <a:t>I like </a:t>
-            </a:r>
-            <a:r>
-              <a:rPr lang="en-US" dirty="0" err="1"/>
-              <a:t>MixedCase</a:t>
-            </a:r>
-            <a:r>
-              <a:rPr lang="en-US" dirty="0"/>
-              <a:t> instead of </a:t>
-            </a:r>
-            <a:r>
-              <a:rPr lang="en-US" dirty="0" err="1"/>
-              <a:t>broken_words</a:t>
-            </a:r>
+              <a:t>JSON in SQL Server 2016</a:t>
+            </a:r>
+          </a:p>
+          <a:p>
+            <a:r>
+              <a:rPr lang="en-US" dirty="0"/>
+              <a:t>Availability Groups and Replication support adding and removing columns</a:t>
+            </a:r>
+          </a:p>
+          <a:p>
+            <a:r>
+              <a:rPr lang="en-US" dirty="0"/>
+              <a:t>Avoid </a:t>
+            </a:r>
+            <a:r>
+              <a:rPr lang="en-US" dirty="0">
+                <a:latin typeface="Courier New" panose="02070309020205020404" pitchFamily="49" charset="0"/>
+                <a:cs typeface="Courier New" panose="02070309020205020404" pitchFamily="49" charset="0"/>
+              </a:rPr>
+              <a:t>SELECT *</a:t>
+            </a:r>
+            <a:r>
+              <a:rPr lang="en-US" dirty="0"/>
+              <a:t> as this may break when columns change</a:t>
+            </a:r>
+          </a:p>
+          <a:p>
             <a:endParaRPr lang="en-US" dirty="0"/>
           </a:p>
           <a:p>
-            <a:r>
-              <a:rPr lang="en-US" dirty="0"/>
-              <a:t>I like </a:t>
-            </a:r>
-            <a:r>
-              <a:rPr lang="en-US" dirty="0" err="1"/>
-              <a:t>ObjectAction</a:t>
-            </a:r>
-            <a:r>
-              <a:rPr lang="en-US" dirty="0"/>
-              <a:t> but I’m more flexible here (or </a:t>
-            </a:r>
-            <a:r>
-              <a:rPr lang="en-US" dirty="0" err="1"/>
-              <a:t>Object_Action</a:t>
-            </a:r>
-            <a:r>
-              <a:rPr lang="en-US" dirty="0"/>
-              <a:t>)</a:t>
-            </a:r>
-          </a:p>
-          <a:p>
-            <a:r>
-              <a:rPr lang="en-US" b="1" dirty="0"/>
-              <a:t>BE CONSISTENT</a:t>
-            </a:r>
+            <a:endParaRPr lang="en-US" dirty="0"/>
           </a:p>
         </p:txBody>
       </p:sp>
     </p:spTree>
     <p:extLst>
       <p:ext uri="{BB962C8B-B14F-4D97-AF65-F5344CB8AC3E}">
-        <p14:creationId xmlns:p14="http://schemas.microsoft.com/office/powerpoint/2010/main" val="622201792"/>
+        <p14:creationId xmlns:p14="http://schemas.microsoft.com/office/powerpoint/2010/main" val="4223866573"/>
       </p:ext>
     </p:extLst>
   </p:cSld>
@@ -10894,7 +10921,7 @@
           <p:cNvPr id="2" name="Title 1">
             <a:extLst>
               <a:ext uri="{FF2B5EF4-FFF2-40B4-BE49-F238E27FC236}">
-                <a16:creationId xmlns:a16="http://schemas.microsoft.com/office/drawing/2014/main" id="{00098813-8690-42EF-A035-D23227726047}"/>
+                <a16:creationId xmlns:a16="http://schemas.microsoft.com/office/drawing/2014/main" id="{39D974C6-8549-43A3-B803-25EE67CD14B0}"/>
               </a:ext>
             </a:extLst>
           </p:cNvPr>
@@ -10912,7 +10939,7 @@
           <a:p>
             <a:r>
               <a:rPr lang="en-US" dirty="0"/>
-              <a:t>Primary Keys</a:t>
+              <a:t>Non-Relational Data</a:t>
             </a:r>
           </a:p>
         </p:txBody>
@@ -10922,7 +10949,7 @@
           <p:cNvPr id="3" name="Content Placeholder 2">
             <a:extLst>
               <a:ext uri="{FF2B5EF4-FFF2-40B4-BE49-F238E27FC236}">
-                <a16:creationId xmlns:a16="http://schemas.microsoft.com/office/drawing/2014/main" id="{AC21C729-6CAB-474B-8503-4C594F791E52}"/>
+                <a16:creationId xmlns:a16="http://schemas.microsoft.com/office/drawing/2014/main" id="{4E987527-B381-4F41-B346-A7358F9FE572}"/>
               </a:ext>
             </a:extLst>
           </p:cNvPr>
@@ -10935,99 +10962,111 @@
         </p:nvSpPr>
         <p:spPr/>
         <p:txBody>
-          <a:bodyPr>
-            <a:normAutofit/>
-          </a:bodyPr>
+          <a:bodyPr/>
           <a:lstStyle/>
           <a:p>
             <a:r>
-              <a:rPr lang="en-US" sz="2400" dirty="0"/>
-              <a:t>Every non-key [column] must provide a fact about the key, the whole key, and nothing but the key</a:t>
+              <a:rPr lang="en-US" dirty="0"/>
+              <a:t>Maybe create a Entity Attribute Value table?</a:t>
             </a:r>
           </a:p>
           <a:p>
             <a:pPr lvl="1"/>
             <a:r>
-              <a:rPr lang="en-US" sz="2000" dirty="0"/>
-              <a:t>1NF – the key exists &amp; no repeating columns (customer1, customer2) or repeating values</a:t>
+              <a:rPr lang="en-US" dirty="0" err="1"/>
+              <a:t>EntityID</a:t>
+            </a:r>
+            <a:r>
+              <a:rPr lang="en-US" dirty="0"/>
+              <a:t>, Attribute, Value</a:t>
             </a:r>
           </a:p>
           <a:p>
             <a:pPr lvl="1"/>
             <a:r>
-              <a:rPr lang="en-US" sz="2000" dirty="0"/>
-              <a:t>2NF – columns depend on the whole key</a:t>
+              <a:rPr lang="en-US" dirty="0"/>
+              <a:t>Maybe </a:t>
+            </a:r>
+            <a:r>
+              <a:rPr lang="en-US" dirty="0" err="1"/>
+              <a:t>sql_variant</a:t>
+            </a:r>
+            <a:r>
+              <a:rPr lang="en-US" dirty="0"/>
+              <a:t> to store different data types?</a:t>
             </a:r>
           </a:p>
           <a:p>
             <a:pPr lvl="1"/>
             <a:r>
-              <a:rPr lang="en-US" sz="2000" dirty="0"/>
-              <a:t>3NF – columns depend on nothing but the key</a:t>
-            </a:r>
-          </a:p>
-          <a:p>
-            <a:r>
-              <a:rPr lang="en-US" sz="2400" dirty="0"/>
-              <a:t>Natural vs. Surrogate keys</a:t>
+              <a:rPr lang="en-US" dirty="0"/>
+              <a:t>COMPRESS!</a:t>
+            </a:r>
+          </a:p>
+          <a:p>
+            <a:r>
+              <a:rPr lang="en-US" dirty="0"/>
+              <a:t>Store XML in an XML data type</a:t>
+            </a:r>
+          </a:p>
+          <a:p>
+            <a:r>
+              <a:rPr lang="en-US" dirty="0"/>
+              <a:t>Store JSON in NVARCHAR (SQL Server 2016)</a:t>
             </a:r>
           </a:p>
           <a:p>
             <a:pPr lvl="1"/>
             <a:r>
-              <a:rPr lang="en-US" sz="2000" dirty="0" err="1"/>
-              <a:t>OrderNumber</a:t>
-            </a:r>
-            <a:r>
-              <a:rPr lang="en-US" sz="2000" dirty="0"/>
-              <a:t> &amp; </a:t>
-            </a:r>
-            <a:r>
-              <a:rPr lang="en-US" sz="2000" dirty="0" err="1"/>
-              <a:t>OrderLineNumber</a:t>
-            </a:r>
-            <a:r>
-              <a:rPr lang="en-US" sz="2000" dirty="0"/>
-              <a:t> vs. </a:t>
-            </a:r>
-            <a:r>
-              <a:rPr lang="en-US" sz="2000" dirty="0" err="1"/>
-              <a:t>OrderLineID</a:t>
-            </a:r>
-            <a:endParaRPr lang="en-US" sz="2000" dirty="0"/>
-          </a:p>
-          <a:p>
-            <a:pPr lvl="1"/>
-            <a:r>
-              <a:rPr lang="en-US" sz="2000" dirty="0"/>
-              <a:t>Maybe more difficult in an ORM world</a:t>
-            </a:r>
-          </a:p>
-          <a:p>
-            <a:pPr lvl="1"/>
-            <a:r>
-              <a:rPr lang="en-US" sz="2000" dirty="0"/>
-              <a:t>Eliminates unneeded or redundant data</a:t>
-            </a:r>
-          </a:p>
-          <a:p>
-            <a:pPr lvl="1"/>
-            <a:r>
-              <a:rPr lang="en-US" sz="2000" dirty="0"/>
-              <a:t>You can always add an IDENTITY with an index</a:t>
-            </a:r>
-          </a:p>
-          <a:p>
-            <a:pPr lvl="1"/>
-            <a:r>
-              <a:rPr lang="en-US" sz="2000" dirty="0"/>
-              <a:t>May need a little defragmenting now and then</a:t>
-            </a:r>
-          </a:p>
-          <a:p>
-            <a:r>
-              <a:rPr lang="en-US" sz="2400" dirty="0"/>
-              <a:t>De-normalize for performance</a:t>
+              <a:rPr lang="en-US" dirty="0"/>
+              <a:t>Can build indexes on parsed JSON values</a:t>
+            </a:r>
+          </a:p>
+        </p:txBody>
+      </p:sp>
+      <p:sp>
+        <p:nvSpPr>
+          <p:cNvPr id="4" name="12-Point Star 3">
+            <a:extLst>
+              <a:ext uri="{FF2B5EF4-FFF2-40B4-BE49-F238E27FC236}">
+                <a16:creationId xmlns:a16="http://schemas.microsoft.com/office/drawing/2014/main" id="{1C36AEF8-B078-4F19-8A8F-04A41229B208}"/>
+              </a:ext>
+            </a:extLst>
+          </p:cNvPr>
+          <p:cNvSpPr/>
+          <p:nvPr/>
+        </p:nvSpPr>
+        <p:spPr>
+          <a:xfrm rot="2397239">
+            <a:off x="9163200" y="3202526"/>
+            <a:ext cx="2453139" cy="1549360"/>
+          </a:xfrm>
+          <a:prstGeom prst="star12">
+            <a:avLst/>
+          </a:prstGeom>
+        </p:spPr>
+        <p:style>
+          <a:lnRef idx="1">
+            <a:schemeClr val="accent5"/>
+          </a:lnRef>
+          <a:fillRef idx="2">
+            <a:schemeClr val="accent5"/>
+          </a:fillRef>
+          <a:effectRef idx="1">
+            <a:schemeClr val="accent5"/>
+          </a:effectRef>
+          <a:fontRef idx="minor">
+            <a:schemeClr val="dk1"/>
+          </a:fontRef>
+        </p:style>
+        <p:txBody>
+          <a:bodyPr rtlCol="0" anchor="ctr"/>
+          <a:lstStyle/>
+          <a:p>
+            <a:pPr algn="ctr"/>
+            <a:r>
+              <a:rPr lang="en-US" sz="2800" b="1" dirty="0"/>
+              <a:t>Demo!</a:t>
             </a:r>
           </a:p>
         </p:txBody>
@@ -11035,7 +11074,7 @@
     </p:spTree>
     <p:extLst>
       <p:ext uri="{BB962C8B-B14F-4D97-AF65-F5344CB8AC3E}">
-        <p14:creationId xmlns:p14="http://schemas.microsoft.com/office/powerpoint/2010/main" val="3026364813"/>
+        <p14:creationId xmlns:p14="http://schemas.microsoft.com/office/powerpoint/2010/main" val="2398389422"/>
       </p:ext>
     </p:extLst>
   </p:cSld>
@@ -11067,7 +11106,7 @@
           <p:cNvPr id="2" name="Title 1">
             <a:extLst>
               <a:ext uri="{FF2B5EF4-FFF2-40B4-BE49-F238E27FC236}">
-                <a16:creationId xmlns:a16="http://schemas.microsoft.com/office/drawing/2014/main" id="{5BDF3441-BDF4-4782-A262-780A05CF7FA4}"/>
+                <a16:creationId xmlns:a16="http://schemas.microsoft.com/office/drawing/2014/main" id="{B1DED12F-3627-4A73-BB68-BC5480C45990}"/>
               </a:ext>
             </a:extLst>
           </p:cNvPr>
@@ -11085,7 +11124,7 @@
           <a:p>
             <a:r>
               <a:rPr lang="en-US" dirty="0"/>
-              <a:t>Data Types</a:t>
+              <a:t>Object Naming</a:t>
             </a:r>
           </a:p>
         </p:txBody>
@@ -11095,7 +11134,7 @@
           <p:cNvPr id="3" name="Content Placeholder 2">
             <a:extLst>
               <a:ext uri="{FF2B5EF4-FFF2-40B4-BE49-F238E27FC236}">
-                <a16:creationId xmlns:a16="http://schemas.microsoft.com/office/drawing/2014/main" id="{0EA5F42B-7FEB-4F01-A05A-FFD51561C6B7}"/>
+                <a16:creationId xmlns:a16="http://schemas.microsoft.com/office/drawing/2014/main" id="{61D4D580-606A-4BCD-80C2-B7DFEF6B9F35}"/>
               </a:ext>
             </a:extLst>
           </p:cNvPr>
@@ -11113,89 +11152,128 @@
           <a:p>
             <a:r>
               <a:rPr lang="en-US" dirty="0"/>
-              <a:t>Use BIGINT for single column primary keys for large tables</a:t>
+              <a:t>Table Names are SINGULAR!  Everyone else is WRONG!</a:t>
             </a:r>
           </a:p>
           <a:p>
             <a:pPr lvl="1"/>
             <a:r>
               <a:rPr lang="en-US" dirty="0"/>
-              <a:t>Loggins, auditing, etc.</a:t>
+              <a:t>Match your class in the client application</a:t>
             </a:r>
           </a:p>
           <a:p>
             <a:pPr lvl="1"/>
             <a:r>
               <a:rPr lang="en-US" dirty="0"/>
-              <a:t>Especially for tables that grow</a:t>
-            </a:r>
-          </a:p>
-          <a:p>
-            <a:r>
-              <a:rPr lang="en-US" dirty="0"/>
-              <a:t>Use DATETIMEOFFSET to capture time zone information</a:t>
-            </a:r>
-          </a:p>
-          <a:p>
-            <a:r>
-              <a:rPr lang="en-US" dirty="0"/>
-              <a:t>Remember DATE and TIME</a:t>
-            </a:r>
-          </a:p>
-          <a:p>
-            <a:r>
-              <a:rPr lang="en-US" dirty="0"/>
-              <a:t>Consider UNICODE vs. ASCII</a:t>
-            </a:r>
-          </a:p>
-          <a:p>
+              <a:t>Sort better in lists</a:t>
+            </a:r>
+          </a:p>
+          <a:p>
+            <a:pPr lvl="2"/>
+            <a:r>
+              <a:rPr lang="en-US" dirty="0"/>
+              <a:t>Intersection tables are “</a:t>
+            </a:r>
+            <a:r>
+              <a:rPr lang="en-US" dirty="0" err="1"/>
+              <a:t>UserAccount</a:t>
+            </a:r>
+            <a:r>
+              <a:rPr lang="en-US" dirty="0"/>
+              <a:t>” instead of “</a:t>
+            </a:r>
+            <a:r>
+              <a:rPr lang="en-US" dirty="0" err="1"/>
+              <a:t>UsersAccounts</a:t>
+            </a:r>
+            <a:r>
+              <a:rPr lang="en-US" dirty="0"/>
+              <a:t>”</a:t>
+            </a:r>
+          </a:p>
+          <a:p>
+            <a:pPr lvl="2"/>
+            <a:r>
+              <a:rPr lang="en-US" dirty="0"/>
+              <a:t>I hate your </a:t>
+            </a:r>
+            <a:r>
+              <a:rPr lang="en-US" dirty="0" err="1"/>
+              <a:t>ActivitiesDetail</a:t>
+            </a:r>
+            <a:r>
+              <a:rPr lang="en-US" dirty="0"/>
+              <a:t> table</a:t>
+            </a:r>
+          </a:p>
+          <a:p>
+            <a:pPr lvl="1"/>
+            <a:r>
+              <a:rPr lang="en-US" dirty="0"/>
+              <a:t>JOINS are </a:t>
+            </a:r>
+            <a:r>
+              <a:rPr lang="en-US" dirty="0" err="1"/>
+              <a:t>Customer.AccountID</a:t>
+            </a:r>
+            <a:r>
+              <a:rPr lang="en-US" dirty="0"/>
+              <a:t> = Account.ID</a:t>
+            </a:r>
+          </a:p>
+          <a:p>
+            <a:pPr lvl="1"/>
+            <a:r>
+              <a:rPr lang="en-US" dirty="0"/>
+              <a:t>Person.  People?  Persons?</a:t>
+            </a:r>
+          </a:p>
+          <a:p>
+            <a:r>
+              <a:rPr lang="en-US" dirty="0"/>
+              <a:t>I like </a:t>
+            </a:r>
+            <a:r>
+              <a:rPr lang="en-US" dirty="0" err="1"/>
+              <a:t>MixedCase</a:t>
+            </a:r>
+            <a:r>
+              <a:rPr lang="en-US" dirty="0"/>
+              <a:t> instead of </a:t>
+            </a:r>
+            <a:r>
+              <a:rPr lang="en-US" dirty="0" err="1"/>
+              <a:t>broken_words</a:t>
+            </a:r>
             <a:endParaRPr lang="en-US" dirty="0"/>
           </a:p>
-        </p:txBody>
-      </p:sp>
-      <p:sp>
-        <p:nvSpPr>
-          <p:cNvPr id="4" name="12-Point Star 3">
-            <a:extLst>
-              <a:ext uri="{FF2B5EF4-FFF2-40B4-BE49-F238E27FC236}">
-                <a16:creationId xmlns:a16="http://schemas.microsoft.com/office/drawing/2014/main" id="{F3D97F5F-C2E7-47BE-B7FA-43C0C150CF6A}"/>
-              </a:ext>
-            </a:extLst>
-          </p:cNvPr>
-          <p:cNvSpPr/>
-          <p:nvPr/>
-        </p:nvSpPr>
-        <p:spPr>
-          <a:xfrm rot="2397239">
-            <a:off x="8158184" y="4224019"/>
-            <a:ext cx="2453139" cy="1549360"/>
-          </a:xfrm>
-          <a:prstGeom prst="star12">
-            <a:avLst/>
-          </a:prstGeom>
-        </p:spPr>
-        <p:style>
-          <a:lnRef idx="1">
-            <a:schemeClr val="accent5"/>
-          </a:lnRef>
-          <a:fillRef idx="2">
-            <a:schemeClr val="accent5"/>
-          </a:fillRef>
-          <a:effectRef idx="1">
-            <a:schemeClr val="accent5"/>
-          </a:effectRef>
-          <a:fontRef idx="minor">
-            <a:schemeClr val="dk1"/>
-          </a:fontRef>
-        </p:style>
-        <p:txBody>
-          <a:bodyPr rtlCol="0" anchor="ctr"/>
-          <a:lstStyle/>
-          <a:p>
-            <a:pPr algn="ctr"/>
-            <a:r>
-              <a:rPr lang="en-US" sz="2800" b="1" dirty="0"/>
-              <a:t>Demo!</a:t>
+          <a:p>
+            <a:r>
+              <a:rPr lang="en-US" dirty="0"/>
+              <a:t>I like </a:t>
+            </a:r>
+            <a:r>
+              <a:rPr lang="en-US" dirty="0" err="1"/>
+              <a:t>ObjectAction</a:t>
+            </a:r>
+            <a:r>
+              <a:rPr lang="en-US" dirty="0"/>
+              <a:t> but I’m more flexible here (or </a:t>
+            </a:r>
+            <a:r>
+              <a:rPr lang="en-US" dirty="0" err="1"/>
+              <a:t>Object_Action</a:t>
+            </a:r>
+            <a:r>
+              <a:rPr lang="en-US" dirty="0"/>
+              <a:t>)</a:t>
+            </a:r>
+          </a:p>
+          <a:p>
+            <a:r>
+              <a:rPr lang="en-US" b="1" dirty="0"/>
+              <a:t>BE CONSISTENT</a:t>
             </a:r>
           </a:p>
         </p:txBody>
@@ -11203,7 +11281,7 @@
     </p:spTree>
     <p:extLst>
       <p:ext uri="{BB962C8B-B14F-4D97-AF65-F5344CB8AC3E}">
-        <p14:creationId xmlns:p14="http://schemas.microsoft.com/office/powerpoint/2010/main" val="1864283184"/>
+        <p14:creationId xmlns:p14="http://schemas.microsoft.com/office/powerpoint/2010/main" val="622201792"/>
       </p:ext>
     </p:extLst>
   </p:cSld>
@@ -11235,7 +11313,7 @@
           <p:cNvPr id="2" name="Title 1">
             <a:extLst>
               <a:ext uri="{FF2B5EF4-FFF2-40B4-BE49-F238E27FC236}">
-                <a16:creationId xmlns:a16="http://schemas.microsoft.com/office/drawing/2014/main" id="{766AEB05-4B67-4B26-B58E-A5A176537A6E}"/>
+                <a16:creationId xmlns:a16="http://schemas.microsoft.com/office/drawing/2014/main" id="{00098813-8690-42EF-A035-D23227726047}"/>
               </a:ext>
             </a:extLst>
           </p:cNvPr>
@@ -11253,7 +11331,7 @@
           <a:p>
             <a:r>
               <a:rPr lang="en-US" dirty="0"/>
-              <a:t>Table Features</a:t>
+              <a:t>Primary Keys</a:t>
             </a:r>
           </a:p>
         </p:txBody>
@@ -11263,7 +11341,7 @@
           <p:cNvPr id="3" name="Content Placeholder 2">
             <a:extLst>
               <a:ext uri="{FF2B5EF4-FFF2-40B4-BE49-F238E27FC236}">
-                <a16:creationId xmlns:a16="http://schemas.microsoft.com/office/drawing/2014/main" id="{BFC686E5-D432-4B53-92B3-578A41C532F0}"/>
+                <a16:creationId xmlns:a16="http://schemas.microsoft.com/office/drawing/2014/main" id="{AC21C729-6CAB-474B-8503-4C594F791E52}"/>
               </a:ext>
             </a:extLst>
           </p:cNvPr>
@@ -11276,102 +11354,99 @@
         </p:nvSpPr>
         <p:spPr/>
         <p:txBody>
-          <a:bodyPr/>
+          <a:bodyPr>
+            <a:normAutofit/>
+          </a:bodyPr>
           <a:lstStyle/>
           <a:p>
             <a:r>
-              <a:rPr lang="en-US" dirty="0"/>
-              <a:t>Referential integrity</a:t>
-            </a:r>
-          </a:p>
-          <a:p>
-            <a:r>
-              <a:rPr lang="en-US" dirty="0"/>
-              <a:t>Check constraints</a:t>
-            </a:r>
-          </a:p>
-          <a:p>
-            <a:r>
-              <a:rPr lang="en-US" dirty="0"/>
-              <a:t>Defaults</a:t>
+              <a:rPr lang="en-US" sz="2400" dirty="0"/>
+              <a:t>Every non-key [column] must provide a fact about the key, the whole key, and nothing but the key</a:t>
             </a:r>
           </a:p>
           <a:p>
             <a:pPr lvl="1"/>
             <a:r>
-              <a:rPr lang="en-US" dirty="0"/>
-              <a:t>Login, current time, identity, sequence, @@SPID</a:t>
-            </a:r>
-          </a:p>
-          <a:p>
-            <a:r>
-              <a:rPr lang="en-US" dirty="0"/>
-              <a:t>Unique constraints</a:t>
-            </a:r>
-          </a:p>
-          <a:p>
-            <a:r>
-              <a:rPr lang="en-US" dirty="0"/>
-              <a:t>NULLs</a:t>
-            </a:r>
-          </a:p>
-          <a:p>
-            <a:r>
-              <a:rPr lang="en-US" dirty="0"/>
-              <a:t>Compression</a:t>
-            </a:r>
-          </a:p>
-          <a:p>
-            <a:r>
-              <a:rPr lang="en-US" dirty="0"/>
-              <a:t>Computed columns</a:t>
-            </a:r>
-          </a:p>
-        </p:txBody>
-      </p:sp>
-      <p:sp>
-        <p:nvSpPr>
-          <p:cNvPr id="4" name="12-Point Star 3">
-            <a:extLst>
-              <a:ext uri="{FF2B5EF4-FFF2-40B4-BE49-F238E27FC236}">
-                <a16:creationId xmlns:a16="http://schemas.microsoft.com/office/drawing/2014/main" id="{938A1FA3-4BA9-494A-BF2F-2F152E4E4B96}"/>
-              </a:ext>
-            </a:extLst>
-          </p:cNvPr>
-          <p:cNvSpPr/>
-          <p:nvPr/>
-        </p:nvSpPr>
-        <p:spPr>
-          <a:xfrm rot="2397239">
-            <a:off x="8158184" y="4224019"/>
-            <a:ext cx="2453139" cy="1549360"/>
-          </a:xfrm>
-          <a:prstGeom prst="star12">
-            <a:avLst/>
-          </a:prstGeom>
-        </p:spPr>
-        <p:style>
-          <a:lnRef idx="1">
-            <a:schemeClr val="accent5"/>
-          </a:lnRef>
-          <a:fillRef idx="2">
-            <a:schemeClr val="accent5"/>
-          </a:fillRef>
-          <a:effectRef idx="1">
-            <a:schemeClr val="accent5"/>
-          </a:effectRef>
-          <a:fontRef idx="minor">
-            <a:schemeClr val="dk1"/>
-          </a:fontRef>
-        </p:style>
-        <p:txBody>
-          <a:bodyPr rtlCol="0" anchor="ctr"/>
-          <a:lstStyle/>
-          <a:p>
-            <a:pPr algn="ctr"/>
-            <a:r>
-              <a:rPr lang="en-US" sz="2800" b="1" dirty="0"/>
-              <a:t>Demo!</a:t>
+              <a:rPr lang="en-US" sz="2000" dirty="0"/>
+              <a:t>1NF – the key exists &amp; no repeating columns (customer1, customer2) or repeating values</a:t>
+            </a:r>
+          </a:p>
+          <a:p>
+            <a:pPr lvl="1"/>
+            <a:r>
+              <a:rPr lang="en-US" sz="2000" dirty="0"/>
+              <a:t>2NF – columns depend on the whole key</a:t>
+            </a:r>
+          </a:p>
+          <a:p>
+            <a:pPr lvl="1"/>
+            <a:r>
+              <a:rPr lang="en-US" sz="2000" dirty="0"/>
+              <a:t>3NF – columns depend on nothing but the key</a:t>
+            </a:r>
+          </a:p>
+          <a:p>
+            <a:r>
+              <a:rPr lang="en-US" sz="2400" dirty="0"/>
+              <a:t>Natural vs. Surrogate keys</a:t>
+            </a:r>
+          </a:p>
+          <a:p>
+            <a:pPr lvl="1"/>
+            <a:r>
+              <a:rPr lang="en-US" sz="2000" dirty="0" err="1"/>
+              <a:t>OrderNumber</a:t>
+            </a:r>
+            <a:r>
+              <a:rPr lang="en-US" sz="2000" dirty="0"/>
+              <a:t> &amp; </a:t>
+            </a:r>
+            <a:r>
+              <a:rPr lang="en-US" sz="2000" dirty="0" err="1"/>
+              <a:t>OrderLineNumber</a:t>
+            </a:r>
+            <a:r>
+              <a:rPr lang="en-US" sz="2000" dirty="0"/>
+              <a:t> vs. </a:t>
+            </a:r>
+            <a:r>
+              <a:rPr lang="en-US" sz="2000" dirty="0" err="1"/>
+              <a:t>OrderLineID</a:t>
+            </a:r>
+            <a:endParaRPr lang="en-US" sz="2000" dirty="0"/>
+          </a:p>
+          <a:p>
+            <a:pPr lvl="1"/>
+            <a:r>
+              <a:rPr lang="en-US" sz="2000" dirty="0"/>
+              <a:t>Maybe more difficult in an ORM world</a:t>
+            </a:r>
+          </a:p>
+          <a:p>
+            <a:pPr lvl="1"/>
+            <a:r>
+              <a:rPr lang="en-US" sz="2000" dirty="0"/>
+              <a:t>Eliminates unneeded or redundant data</a:t>
+            </a:r>
+          </a:p>
+          <a:p>
+            <a:pPr lvl="1"/>
+            <a:r>
+              <a:rPr lang="en-US" sz="2000" dirty="0"/>
+              <a:t>You can always add an IDENTITY with an index</a:t>
+            </a:r>
+          </a:p>
+          <a:p>
+            <a:pPr lvl="1"/>
+            <a:r>
+              <a:rPr lang="en-US" sz="2000" dirty="0"/>
+              <a:t>May need a little defragmenting now and then</a:t>
+            </a:r>
+          </a:p>
+          <a:p>
+            <a:r>
+              <a:rPr lang="en-US" sz="2400" dirty="0"/>
+              <a:t>De-normalize for performance</a:t>
             </a:r>
           </a:p>
         </p:txBody>
@@ -11379,7 +11454,7 @@
     </p:spTree>
     <p:extLst>
       <p:ext uri="{BB962C8B-B14F-4D97-AF65-F5344CB8AC3E}">
-        <p14:creationId xmlns:p14="http://schemas.microsoft.com/office/powerpoint/2010/main" val="1076395035"/>
+        <p14:creationId xmlns:p14="http://schemas.microsoft.com/office/powerpoint/2010/main" val="3026364813"/>
       </p:ext>
     </p:extLst>
   </p:cSld>
@@ -11411,7 +11486,7 @@
           <p:cNvPr id="2" name="Title 1">
             <a:extLst>
               <a:ext uri="{FF2B5EF4-FFF2-40B4-BE49-F238E27FC236}">
-                <a16:creationId xmlns:a16="http://schemas.microsoft.com/office/drawing/2014/main" id="{0C580AEF-8A93-4DA6-86F5-B03210101CAE}"/>
+                <a16:creationId xmlns:a16="http://schemas.microsoft.com/office/drawing/2014/main" id="{5BDF3441-BDF4-4782-A262-780A05CF7FA4}"/>
               </a:ext>
             </a:extLst>
           </p:cNvPr>
@@ -11429,7 +11504,7 @@
           <a:p>
             <a:r>
               <a:rPr lang="en-US" dirty="0"/>
-              <a:t>Views</a:t>
+              <a:t>Data Types</a:t>
             </a:r>
           </a:p>
         </p:txBody>
@@ -11439,7 +11514,7 @@
           <p:cNvPr id="3" name="Content Placeholder 2">
             <a:extLst>
               <a:ext uri="{FF2B5EF4-FFF2-40B4-BE49-F238E27FC236}">
-                <a16:creationId xmlns:a16="http://schemas.microsoft.com/office/drawing/2014/main" id="{26ED8F4A-1840-46F6-8332-0D13B83B9C05}"/>
+                <a16:creationId xmlns:a16="http://schemas.microsoft.com/office/drawing/2014/main" id="{0EA5F42B-7FEB-4F01-A05A-FFD51561C6B7}"/>
               </a:ext>
             </a:extLst>
           </p:cNvPr>
@@ -11452,68 +11527,94 @@
         </p:nvSpPr>
         <p:spPr/>
         <p:txBody>
-          <a:bodyPr>
-            <a:normAutofit/>
-          </a:bodyPr>
+          <a:bodyPr/>
           <a:lstStyle/>
           <a:p>
             <a:r>
-              <a:rPr lang="en-US" sz="2800" dirty="0"/>
-              <a:t>Think of a view as an API into your database</a:t>
-            </a:r>
-          </a:p>
-          <a:p>
-            <a:r>
-              <a:rPr lang="en-US" sz="2800" dirty="0"/>
-              <a:t>It’s just a reusable query</a:t>
+              <a:rPr lang="en-US" dirty="0"/>
+              <a:t>Use BIGINT for single column primary keys for large tables</a:t>
             </a:r>
           </a:p>
           <a:p>
             <a:pPr lvl="1"/>
             <a:r>
-              <a:rPr lang="en-US" sz="2400" dirty="0"/>
-              <a:t>Active customers</a:t>
+              <a:rPr lang="en-US" dirty="0"/>
+              <a:t>Loggins, auditing, etc.</a:t>
             </a:r>
           </a:p>
           <a:p>
             <a:pPr lvl="1"/>
             <a:r>
-              <a:rPr lang="en-US" sz="2400" dirty="0"/>
-              <a:t>Complicated joins</a:t>
-            </a:r>
-          </a:p>
-          <a:p>
-            <a:pPr lvl="1"/>
-            <a:r>
-              <a:rPr lang="en-US" sz="2400" dirty="0"/>
-              <a:t>Filters where you can assign permissions</a:t>
-            </a:r>
-          </a:p>
-          <a:p>
-            <a:r>
-              <a:rPr lang="en-US" sz="2800" dirty="0"/>
-              <a:t>Can replace a table</a:t>
-            </a:r>
-          </a:p>
-          <a:p>
-            <a:pPr lvl="1"/>
-            <a:r>
-              <a:rPr lang="en-US" sz="2400" dirty="0"/>
-              <a:t>Rename the table</a:t>
-            </a:r>
-          </a:p>
-          <a:p>
-            <a:pPr lvl="1"/>
-            <a:r>
-              <a:rPr lang="en-US" sz="2400" dirty="0"/>
-              <a:t>Create a view with the original table name</a:t>
-            </a:r>
-          </a:p>
-          <a:p>
-            <a:pPr lvl="1"/>
-            <a:r>
-              <a:rPr lang="en-US" sz="2400" dirty="0"/>
-              <a:t>Add triggers to view to update the renamed table (or a new table)</a:t>
+              <a:rPr lang="en-US" dirty="0"/>
+              <a:t>Especially for tables that grow</a:t>
+            </a:r>
+          </a:p>
+          <a:p>
+            <a:r>
+              <a:rPr lang="en-US" dirty="0"/>
+              <a:t>Use DATETIMEOFFSET to capture time zone information</a:t>
+            </a:r>
+          </a:p>
+          <a:p>
+            <a:r>
+              <a:rPr lang="en-US" dirty="0"/>
+              <a:t>Remember DATE and TIME</a:t>
+            </a:r>
+          </a:p>
+          <a:p>
+            <a:r>
+              <a:rPr lang="en-US" dirty="0"/>
+              <a:t>Consider UNICODE vs. ASCII</a:t>
+            </a:r>
+          </a:p>
+          <a:p>
+            <a:endParaRPr lang="en-US" dirty="0"/>
+          </a:p>
+        </p:txBody>
+      </p:sp>
+      <p:sp>
+        <p:nvSpPr>
+          <p:cNvPr id="4" name="12-Point Star 3">
+            <a:extLst>
+              <a:ext uri="{FF2B5EF4-FFF2-40B4-BE49-F238E27FC236}">
+                <a16:creationId xmlns:a16="http://schemas.microsoft.com/office/drawing/2014/main" id="{F3D97F5F-C2E7-47BE-B7FA-43C0C150CF6A}"/>
+              </a:ext>
+            </a:extLst>
+          </p:cNvPr>
+          <p:cNvSpPr/>
+          <p:nvPr/>
+        </p:nvSpPr>
+        <p:spPr>
+          <a:xfrm rot="2397239">
+            <a:off x="8158184" y="4224019"/>
+            <a:ext cx="2453139" cy="1549360"/>
+          </a:xfrm>
+          <a:prstGeom prst="star12">
+            <a:avLst/>
+          </a:prstGeom>
+        </p:spPr>
+        <p:style>
+          <a:lnRef idx="1">
+            <a:schemeClr val="accent5"/>
+          </a:lnRef>
+          <a:fillRef idx="2">
+            <a:schemeClr val="accent5"/>
+          </a:fillRef>
+          <a:effectRef idx="1">
+            <a:schemeClr val="accent5"/>
+          </a:effectRef>
+          <a:fontRef idx="minor">
+            <a:schemeClr val="dk1"/>
+          </a:fontRef>
+        </p:style>
+        <p:txBody>
+          <a:bodyPr rtlCol="0" anchor="ctr"/>
+          <a:lstStyle/>
+          <a:p>
+            <a:pPr algn="ctr"/>
+            <a:r>
+              <a:rPr lang="en-US" sz="2800" b="1" dirty="0"/>
+              <a:t>Demo!</a:t>
             </a:r>
           </a:p>
         </p:txBody>
@@ -11521,7 +11622,7 @@
     </p:spTree>
     <p:extLst>
       <p:ext uri="{BB962C8B-B14F-4D97-AF65-F5344CB8AC3E}">
-        <p14:creationId xmlns:p14="http://schemas.microsoft.com/office/powerpoint/2010/main" val="4201984620"/>
+        <p14:creationId xmlns:p14="http://schemas.microsoft.com/office/powerpoint/2010/main" val="1864283184"/>
       </p:ext>
     </p:extLst>
   </p:cSld>
@@ -11553,7 +11654,7 @@
           <p:cNvPr id="2" name="Title 1">
             <a:extLst>
               <a:ext uri="{FF2B5EF4-FFF2-40B4-BE49-F238E27FC236}">
-                <a16:creationId xmlns:a16="http://schemas.microsoft.com/office/drawing/2014/main" id="{C0BE9D9F-FFA4-478D-8391-D7733A6F8945}"/>
+                <a16:creationId xmlns:a16="http://schemas.microsoft.com/office/drawing/2014/main" id="{766AEB05-4B67-4B26-B58E-A5A176537A6E}"/>
               </a:ext>
             </a:extLst>
           </p:cNvPr>
@@ -11571,7 +11672,7 @@
           <a:p>
             <a:r>
               <a:rPr lang="en-US" dirty="0"/>
-              <a:t>Deploying Schema Changes</a:t>
+              <a:t>Table Features</a:t>
             </a:r>
           </a:p>
         </p:txBody>
@@ -11581,7 +11682,7 @@
           <p:cNvPr id="3" name="Content Placeholder 2">
             <a:extLst>
               <a:ext uri="{FF2B5EF4-FFF2-40B4-BE49-F238E27FC236}">
-                <a16:creationId xmlns:a16="http://schemas.microsoft.com/office/drawing/2014/main" id="{461ADF6B-F922-4FA5-B8DF-7C150A059863}"/>
+                <a16:creationId xmlns:a16="http://schemas.microsoft.com/office/drawing/2014/main" id="{BFC686E5-D432-4B53-92B3-578A41C532F0}"/>
               </a:ext>
             </a:extLst>
           </p:cNvPr>
@@ -11594,60 +11695,56 @@
         </p:nvSpPr>
         <p:spPr/>
         <p:txBody>
-          <a:bodyPr numCol="1"/>
+          <a:bodyPr/>
           <a:lstStyle/>
           <a:p>
             <a:r>
               <a:rPr lang="en-US" dirty="0"/>
-              <a:t>Hand-rolled</a:t>
-            </a:r>
-          </a:p>
-          <a:p>
-            <a:r>
-              <a:rPr lang="en-US" dirty="0"/>
-              <a:t>Visual Studio SQL Server Database Tools (SSDT)</a:t>
+              <a:t>Referential integrity</a:t>
+            </a:r>
+          </a:p>
+          <a:p>
+            <a:r>
+              <a:rPr lang="en-US" dirty="0"/>
+              <a:t>Check constraints</a:t>
+            </a:r>
+          </a:p>
+          <a:p>
+            <a:r>
+              <a:rPr lang="en-US" dirty="0"/>
+              <a:t>Defaults</a:t>
             </a:r>
           </a:p>
           <a:p>
             <a:pPr lvl="1"/>
             <a:r>
               <a:rPr lang="en-US" dirty="0"/>
-              <a:t>Put your database schema under source control</a:t>
-            </a:r>
-          </a:p>
-          <a:p>
-            <a:r>
-              <a:rPr lang="en-US" dirty="0"/>
-              <a:t>Third-Party Tools</a:t>
-            </a:r>
-          </a:p>
-          <a:p>
-            <a:pPr lvl="1"/>
-            <a:r>
-              <a:rPr lang="en-US" dirty="0"/>
-              <a:t>Very good schema compare</a:t>
-            </a:r>
-          </a:p>
-          <a:p>
-            <a:r>
-              <a:rPr lang="en-US" dirty="0"/>
-              <a:t>Embed change scripts in the application</a:t>
-            </a:r>
-          </a:p>
-          <a:p>
-            <a:r>
-              <a:rPr lang="en-US" dirty="0"/>
-              <a:t>Don’t forget permissions</a:t>
-            </a:r>
-          </a:p>
-          <a:p>
-            <a:r>
-              <a:rPr lang="en-US" dirty="0"/>
-              <a:t>Don’t forget data</a:t>
-            </a:r>
-          </a:p>
-          <a:p>
-            <a:endParaRPr lang="en-US" dirty="0"/>
+              <a:t>Login, current time, identity, sequence, @@SPID</a:t>
+            </a:r>
+          </a:p>
+          <a:p>
+            <a:r>
+              <a:rPr lang="en-US" dirty="0"/>
+              <a:t>Unique constraints</a:t>
+            </a:r>
+          </a:p>
+          <a:p>
+            <a:r>
+              <a:rPr lang="en-US" dirty="0"/>
+              <a:t>NULLs</a:t>
+            </a:r>
+          </a:p>
+          <a:p>
+            <a:r>
+              <a:rPr lang="en-US" dirty="0"/>
+              <a:t>Compression</a:t>
+            </a:r>
+          </a:p>
+          <a:p>
+            <a:r>
+              <a:rPr lang="en-US" dirty="0"/>
+              <a:t>Computed columns</a:t>
+            </a:r>
           </a:p>
         </p:txBody>
       </p:sp>
@@ -11656,7 +11753,7 @@
           <p:cNvPr id="4" name="12-Point Star 3">
             <a:extLst>
               <a:ext uri="{FF2B5EF4-FFF2-40B4-BE49-F238E27FC236}">
-                <a16:creationId xmlns:a16="http://schemas.microsoft.com/office/drawing/2014/main" id="{B2168722-A690-4396-A2B2-2470D472B123}"/>
+                <a16:creationId xmlns:a16="http://schemas.microsoft.com/office/drawing/2014/main" id="{938A1FA3-4BA9-494A-BF2F-2F152E4E4B96}"/>
               </a:ext>
             </a:extLst>
           </p:cNvPr>
@@ -11665,8 +11762,8 @@
         </p:nvSpPr>
         <p:spPr>
           <a:xfrm rot="2397239">
-            <a:off x="8140110" y="3702417"/>
-            <a:ext cx="3050940" cy="2463509"/>
+            <a:off x="8158184" y="4224019"/>
+            <a:ext cx="2453139" cy="1549360"/>
           </a:xfrm>
           <a:prstGeom prst="star12">
             <a:avLst/>
@@ -11692,8 +11789,8 @@
           <a:p>
             <a:pPr algn="ctr"/>
             <a:r>
-              <a:rPr lang="en-US" sz="3600" b="1" dirty="0"/>
-              <a:t>DB2 Demo!</a:t>
+              <a:rPr lang="en-US" sz="2800" b="1" dirty="0"/>
+              <a:t>Demo!</a:t>
             </a:r>
           </a:p>
         </p:txBody>
@@ -11701,7 +11798,7 @@
     </p:spTree>
     <p:extLst>
       <p:ext uri="{BB962C8B-B14F-4D97-AF65-F5344CB8AC3E}">
-        <p14:creationId xmlns:p14="http://schemas.microsoft.com/office/powerpoint/2010/main" val="1060611692"/>
+        <p14:creationId xmlns:p14="http://schemas.microsoft.com/office/powerpoint/2010/main" val="1076395035"/>
       </p:ext>
     </p:extLst>
   </p:cSld>
@@ -11822,6 +11919,328 @@
           <p:cNvPr id="2" name="Title 1">
             <a:extLst>
               <a:ext uri="{FF2B5EF4-FFF2-40B4-BE49-F238E27FC236}">
+                <a16:creationId xmlns:a16="http://schemas.microsoft.com/office/drawing/2014/main" id="{0C580AEF-8A93-4DA6-86F5-B03210101CAE}"/>
+              </a:ext>
+            </a:extLst>
+          </p:cNvPr>
+          <p:cNvSpPr>
+            <a:spLocks noGrp="1"/>
+          </p:cNvSpPr>
+          <p:nvPr>
+            <p:ph type="title"/>
+          </p:nvPr>
+        </p:nvSpPr>
+        <p:spPr/>
+        <p:txBody>
+          <a:bodyPr/>
+          <a:lstStyle/>
+          <a:p>
+            <a:r>
+              <a:rPr lang="en-US" dirty="0"/>
+              <a:t>Views</a:t>
+            </a:r>
+          </a:p>
+        </p:txBody>
+      </p:sp>
+      <p:sp>
+        <p:nvSpPr>
+          <p:cNvPr id="3" name="Content Placeholder 2">
+            <a:extLst>
+              <a:ext uri="{FF2B5EF4-FFF2-40B4-BE49-F238E27FC236}">
+                <a16:creationId xmlns:a16="http://schemas.microsoft.com/office/drawing/2014/main" id="{26ED8F4A-1840-46F6-8332-0D13B83B9C05}"/>
+              </a:ext>
+            </a:extLst>
+          </p:cNvPr>
+          <p:cNvSpPr>
+            <a:spLocks noGrp="1"/>
+          </p:cNvSpPr>
+          <p:nvPr>
+            <p:ph idx="1"/>
+          </p:nvPr>
+        </p:nvSpPr>
+        <p:spPr/>
+        <p:txBody>
+          <a:bodyPr>
+            <a:normAutofit/>
+          </a:bodyPr>
+          <a:lstStyle/>
+          <a:p>
+            <a:r>
+              <a:rPr lang="en-US" sz="2800" dirty="0"/>
+              <a:t>Think of a view as an API into your database</a:t>
+            </a:r>
+          </a:p>
+          <a:p>
+            <a:r>
+              <a:rPr lang="en-US" sz="2800" dirty="0"/>
+              <a:t>It’s just a reusable query</a:t>
+            </a:r>
+          </a:p>
+          <a:p>
+            <a:pPr lvl="1"/>
+            <a:r>
+              <a:rPr lang="en-US" sz="2400" dirty="0"/>
+              <a:t>Active customers</a:t>
+            </a:r>
+          </a:p>
+          <a:p>
+            <a:pPr lvl="1"/>
+            <a:r>
+              <a:rPr lang="en-US" sz="2400" dirty="0"/>
+              <a:t>Complicated joins</a:t>
+            </a:r>
+          </a:p>
+          <a:p>
+            <a:pPr lvl="1"/>
+            <a:r>
+              <a:rPr lang="en-US" sz="2400" dirty="0"/>
+              <a:t>Filters where you can assign permissions</a:t>
+            </a:r>
+          </a:p>
+          <a:p>
+            <a:r>
+              <a:rPr lang="en-US" sz="2800" dirty="0"/>
+              <a:t>Can replace a table</a:t>
+            </a:r>
+          </a:p>
+          <a:p>
+            <a:pPr lvl="1"/>
+            <a:r>
+              <a:rPr lang="en-US" sz="2400" dirty="0"/>
+              <a:t>Rename the table</a:t>
+            </a:r>
+          </a:p>
+          <a:p>
+            <a:pPr lvl="1"/>
+            <a:r>
+              <a:rPr lang="en-US" sz="2400" dirty="0"/>
+              <a:t>Create a view with the original table name</a:t>
+            </a:r>
+          </a:p>
+          <a:p>
+            <a:pPr lvl="1"/>
+            <a:r>
+              <a:rPr lang="en-US" sz="2400" dirty="0"/>
+              <a:t>Add triggers to view to update the renamed table (or a new table)</a:t>
+            </a:r>
+          </a:p>
+        </p:txBody>
+      </p:sp>
+    </p:spTree>
+    <p:extLst>
+      <p:ext uri="{BB962C8B-B14F-4D97-AF65-F5344CB8AC3E}">
+        <p14:creationId xmlns:p14="http://schemas.microsoft.com/office/powerpoint/2010/main" val="4201984620"/>
+      </p:ext>
+    </p:extLst>
+  </p:cSld>
+  <p:clrMapOvr>
+    <a:masterClrMapping/>
+  </p:clrMapOvr>
+</p:sld>
+</file>
+
+<file path=ppt/slides/slide21.xml><?xml version="1.0" encoding="utf-8"?>
+<p:sld xmlns:a="http://schemas.openxmlformats.org/drawingml/2006/main" xmlns:r="http://schemas.openxmlformats.org/officeDocument/2006/relationships" xmlns:p="http://schemas.openxmlformats.org/presentationml/2006/main">
+  <p:cSld>
+    <p:spTree>
+      <p:nvGrpSpPr>
+        <p:cNvPr id="1" name=""/>
+        <p:cNvGrpSpPr/>
+        <p:nvPr/>
+      </p:nvGrpSpPr>
+      <p:grpSpPr>
+        <a:xfrm>
+          <a:off x="0" y="0"/>
+          <a:ext cx="0" cy="0"/>
+          <a:chOff x="0" y="0"/>
+          <a:chExt cx="0" cy="0"/>
+        </a:xfrm>
+      </p:grpSpPr>
+      <p:sp>
+        <p:nvSpPr>
+          <p:cNvPr id="2" name="Title 1">
+            <a:extLst>
+              <a:ext uri="{FF2B5EF4-FFF2-40B4-BE49-F238E27FC236}">
+                <a16:creationId xmlns:a16="http://schemas.microsoft.com/office/drawing/2014/main" id="{C0BE9D9F-FFA4-478D-8391-D7733A6F8945}"/>
+              </a:ext>
+            </a:extLst>
+          </p:cNvPr>
+          <p:cNvSpPr>
+            <a:spLocks noGrp="1"/>
+          </p:cNvSpPr>
+          <p:nvPr>
+            <p:ph type="title"/>
+          </p:nvPr>
+        </p:nvSpPr>
+        <p:spPr/>
+        <p:txBody>
+          <a:bodyPr/>
+          <a:lstStyle/>
+          <a:p>
+            <a:r>
+              <a:rPr lang="en-US" dirty="0"/>
+              <a:t>Deploying Schema Changes</a:t>
+            </a:r>
+          </a:p>
+        </p:txBody>
+      </p:sp>
+      <p:sp>
+        <p:nvSpPr>
+          <p:cNvPr id="3" name="Content Placeholder 2">
+            <a:extLst>
+              <a:ext uri="{FF2B5EF4-FFF2-40B4-BE49-F238E27FC236}">
+                <a16:creationId xmlns:a16="http://schemas.microsoft.com/office/drawing/2014/main" id="{461ADF6B-F922-4FA5-B8DF-7C150A059863}"/>
+              </a:ext>
+            </a:extLst>
+          </p:cNvPr>
+          <p:cNvSpPr>
+            <a:spLocks noGrp="1"/>
+          </p:cNvSpPr>
+          <p:nvPr>
+            <p:ph idx="1"/>
+          </p:nvPr>
+        </p:nvSpPr>
+        <p:spPr/>
+        <p:txBody>
+          <a:bodyPr numCol="1"/>
+          <a:lstStyle/>
+          <a:p>
+            <a:r>
+              <a:rPr lang="en-US" dirty="0"/>
+              <a:t>Hand-rolled</a:t>
+            </a:r>
+          </a:p>
+          <a:p>
+            <a:r>
+              <a:rPr lang="en-US" dirty="0"/>
+              <a:t>Visual Studio SQL Server Database Tools (SSDT)</a:t>
+            </a:r>
+          </a:p>
+          <a:p>
+            <a:pPr lvl="1"/>
+            <a:r>
+              <a:rPr lang="en-US" dirty="0"/>
+              <a:t>Put your database schema under source control</a:t>
+            </a:r>
+          </a:p>
+          <a:p>
+            <a:r>
+              <a:rPr lang="en-US" dirty="0"/>
+              <a:t>Third-Party Tools</a:t>
+            </a:r>
+          </a:p>
+          <a:p>
+            <a:pPr lvl="1"/>
+            <a:r>
+              <a:rPr lang="en-US" dirty="0"/>
+              <a:t>Very good schema compare</a:t>
+            </a:r>
+          </a:p>
+          <a:p>
+            <a:r>
+              <a:rPr lang="en-US" dirty="0"/>
+              <a:t>Embed change scripts in the application</a:t>
+            </a:r>
+          </a:p>
+          <a:p>
+            <a:r>
+              <a:rPr lang="en-US" dirty="0"/>
+              <a:t>Don’t forget permissions</a:t>
+            </a:r>
+          </a:p>
+          <a:p>
+            <a:r>
+              <a:rPr lang="en-US" dirty="0"/>
+              <a:t>Don’t forget data</a:t>
+            </a:r>
+          </a:p>
+          <a:p>
+            <a:endParaRPr lang="en-US" dirty="0"/>
+          </a:p>
+        </p:txBody>
+      </p:sp>
+      <p:sp>
+        <p:nvSpPr>
+          <p:cNvPr id="4" name="12-Point Star 3">
+            <a:extLst>
+              <a:ext uri="{FF2B5EF4-FFF2-40B4-BE49-F238E27FC236}">
+                <a16:creationId xmlns:a16="http://schemas.microsoft.com/office/drawing/2014/main" id="{B2168722-A690-4396-A2B2-2470D472B123}"/>
+              </a:ext>
+            </a:extLst>
+          </p:cNvPr>
+          <p:cNvSpPr/>
+          <p:nvPr/>
+        </p:nvSpPr>
+        <p:spPr>
+          <a:xfrm rot="2397239">
+            <a:off x="8140110" y="3702417"/>
+            <a:ext cx="3050940" cy="2463509"/>
+          </a:xfrm>
+          <a:prstGeom prst="star12">
+            <a:avLst/>
+          </a:prstGeom>
+        </p:spPr>
+        <p:style>
+          <a:lnRef idx="1">
+            <a:schemeClr val="accent5"/>
+          </a:lnRef>
+          <a:fillRef idx="2">
+            <a:schemeClr val="accent5"/>
+          </a:fillRef>
+          <a:effectRef idx="1">
+            <a:schemeClr val="accent5"/>
+          </a:effectRef>
+          <a:fontRef idx="minor">
+            <a:schemeClr val="dk1"/>
+          </a:fontRef>
+        </p:style>
+        <p:txBody>
+          <a:bodyPr rtlCol="0" anchor="ctr"/>
+          <a:lstStyle/>
+          <a:p>
+            <a:pPr algn="ctr"/>
+            <a:r>
+              <a:rPr lang="en-US" sz="3600" b="1" dirty="0"/>
+              <a:t>DB2 Demo!</a:t>
+            </a:r>
+          </a:p>
+        </p:txBody>
+      </p:sp>
+    </p:spTree>
+    <p:extLst>
+      <p:ext uri="{BB962C8B-B14F-4D97-AF65-F5344CB8AC3E}">
+        <p14:creationId xmlns:p14="http://schemas.microsoft.com/office/powerpoint/2010/main" val="1060611692"/>
+      </p:ext>
+    </p:extLst>
+  </p:cSld>
+  <p:clrMapOvr>
+    <a:masterClrMapping/>
+  </p:clrMapOvr>
+</p:sld>
+</file>
+
+<file path=ppt/slides/slide22.xml><?xml version="1.0" encoding="utf-8"?>
+<p:sld xmlns:a="http://schemas.openxmlformats.org/drawingml/2006/main" xmlns:r="http://schemas.openxmlformats.org/officeDocument/2006/relationships" xmlns:p="http://schemas.openxmlformats.org/presentationml/2006/main">
+  <p:cSld>
+    <p:spTree>
+      <p:nvGrpSpPr>
+        <p:cNvPr id="1" name=""/>
+        <p:cNvGrpSpPr/>
+        <p:nvPr/>
+      </p:nvGrpSpPr>
+      <p:grpSpPr>
+        <a:xfrm>
+          <a:off x="0" y="0"/>
+          <a:ext cx="0" cy="0"/>
+          <a:chOff x="0" y="0"/>
+          <a:chExt cx="0" cy="0"/>
+        </a:xfrm>
+      </p:grpSpPr>
+      <p:sp>
+        <p:nvSpPr>
+          <p:cNvPr id="2" name="Title 1">
+            <a:extLst>
+              <a:ext uri="{FF2B5EF4-FFF2-40B4-BE49-F238E27FC236}">
                 <a16:creationId xmlns:a16="http://schemas.microsoft.com/office/drawing/2014/main" id="{963A8FB8-577F-4E09-9235-A99667DC63C0}"/>
               </a:ext>
             </a:extLst>
@@ -11912,7 +12331,7 @@
 </p:sld>
 </file>
 
-<file path=ppt/slides/slide21.xml><?xml version="1.0" encoding="utf-8"?>
+<file path=ppt/slides/slide23.xml><?xml version="1.0" encoding="utf-8"?>
 <p:sld xmlns:a="http://schemas.openxmlformats.org/drawingml/2006/main" xmlns:r="http://schemas.openxmlformats.org/officeDocument/2006/relationships" xmlns:p="http://schemas.openxmlformats.org/presentationml/2006/main">
   <p:cSld>
     <p:spTree>
